--- a/integrability.pptx
+++ b/integrability.pptx
@@ -5,10 +5,10 @@
     <p:sldMasterId id="2147483680" r:id="rId1"/>
   </p:sldMasterIdLst>
   <p:notesMasterIdLst>
-    <p:notesMasterId r:id="rId17"/>
+    <p:notesMasterId r:id="rId18"/>
   </p:notesMasterIdLst>
   <p:handoutMasterIdLst>
-    <p:handoutMasterId r:id="rId18"/>
+    <p:handoutMasterId r:id="rId19"/>
   </p:handoutMasterIdLst>
   <p:sldIdLst>
     <p:sldId id="256" r:id="rId2"/>
@@ -18,14 +18,15 @@
     <p:sldId id="268" r:id="rId6"/>
     <p:sldId id="259" r:id="rId7"/>
     <p:sldId id="275" r:id="rId8"/>
-    <p:sldId id="269" r:id="rId9"/>
-    <p:sldId id="260" r:id="rId10"/>
-    <p:sldId id="261" r:id="rId11"/>
-    <p:sldId id="262" r:id="rId12"/>
-    <p:sldId id="270" r:id="rId13"/>
-    <p:sldId id="264" r:id="rId14"/>
-    <p:sldId id="265" r:id="rId15"/>
-    <p:sldId id="271" r:id="rId16"/>
+    <p:sldId id="276" r:id="rId9"/>
+    <p:sldId id="269" r:id="rId10"/>
+    <p:sldId id="260" r:id="rId11"/>
+    <p:sldId id="261" r:id="rId12"/>
+    <p:sldId id="262" r:id="rId13"/>
+    <p:sldId id="270" r:id="rId14"/>
+    <p:sldId id="264" r:id="rId15"/>
+    <p:sldId id="265" r:id="rId16"/>
+    <p:sldId id="271" r:id="rId17"/>
   </p:sldIdLst>
   <p:sldSz cx="9144000" cy="6858000" type="screen4x3"/>
   <p:notesSz cx="7315200" cy="9601200"/>
@@ -1312,7 +1313,7 @@
           <a:effectLst/>
           <a:extLst>
             <a:ext uri="{AF507438-7753-43e0-B8FC-AC1667EBCBE1}">
-              <a14:hiddenEffects xmlns="" xmlns:a14="http://schemas.microsoft.com/office/drawing/2010/main">
+              <a14:hiddenEffects xmlns:a14="http://schemas.microsoft.com/office/drawing/2010/main" xmlns="">
                 <a:effectLst>
                   <a:outerShdw blurRad="63500" dist="38099" dir="2700000" algn="ctr" rotWithShape="0">
                     <a:schemeClr val="bg2">
@@ -2568,14 +2569,14 @@
           <a:effectLst/>
           <a:extLst>
             <a:ext uri="{909E8E84-426E-40dd-AFC4-6F175D3DCCD1}">
-              <a14:hiddenFill xmlns="" xmlns:a14="http://schemas.microsoft.com/office/drawing/2010/main">
+              <a14:hiddenFill xmlns:a14="http://schemas.microsoft.com/office/drawing/2010/main" xmlns="">
                 <a:solidFill>
                   <a:schemeClr val="accent1"/>
                 </a:solidFill>
               </a14:hiddenFill>
             </a:ext>
             <a:ext uri="{91240B29-F687-4f45-9708-019B960494DF}">
-              <a14:hiddenLine xmlns="" xmlns:a14="http://schemas.microsoft.com/office/drawing/2010/main" w="9525">
+              <a14:hiddenLine xmlns:a14="http://schemas.microsoft.com/office/drawing/2010/main" xmlns="" w="9525">
                 <a:solidFill>
                   <a:schemeClr val="tx1"/>
                 </a:solidFill>
@@ -2585,7 +2586,7 @@
               </a14:hiddenLine>
             </a:ext>
             <a:ext uri="{AF507438-7753-43e0-B8FC-AC1667EBCBE1}">
-              <a14:hiddenEffects xmlns="" xmlns:a14="http://schemas.microsoft.com/office/drawing/2010/main">
+              <a14:hiddenEffects xmlns:a14="http://schemas.microsoft.com/office/drawing/2010/main" xmlns="">
                 <a:effectLst>
                   <a:outerShdw blurRad="63500" dist="38099" dir="2700000" algn="ctr" rotWithShape="0">
                     <a:schemeClr val="bg2">
@@ -2596,7 +2597,7 @@
               </a14:hiddenEffects>
             </a:ext>
             <a:ext uri="{FAA26D3D-D897-4be2-8F04-BA451C77F1D7}">
-              <ma14:placeholderFlag xmlns="" xmlns:ma14="http://schemas.microsoft.com/office/mac/drawingml/2011/main" val="1"/>
+              <ma14:placeholderFlag xmlns:ma14="http://schemas.microsoft.com/office/mac/drawingml/2011/main" xmlns="" val="1"/>
             </a:ext>
           </a:extLst>
         </p:spPr>
@@ -2641,14 +2642,14 @@
           <a:effectLst/>
           <a:extLst>
             <a:ext uri="{909E8E84-426E-40dd-AFC4-6F175D3DCCD1}">
-              <a14:hiddenFill xmlns="" xmlns:a14="http://schemas.microsoft.com/office/drawing/2010/main">
+              <a14:hiddenFill xmlns:a14="http://schemas.microsoft.com/office/drawing/2010/main" xmlns="">
                 <a:solidFill>
                   <a:schemeClr val="accent1"/>
                 </a:solidFill>
               </a14:hiddenFill>
             </a:ext>
             <a:ext uri="{91240B29-F687-4f45-9708-019B960494DF}">
-              <a14:hiddenLine xmlns="" xmlns:a14="http://schemas.microsoft.com/office/drawing/2010/main" w="9525">
+              <a14:hiddenLine xmlns:a14="http://schemas.microsoft.com/office/drawing/2010/main" xmlns="" w="9525">
                 <a:solidFill>
                   <a:schemeClr val="tx1"/>
                 </a:solidFill>
@@ -2658,7 +2659,7 @@
               </a14:hiddenLine>
             </a:ext>
             <a:ext uri="{AF507438-7753-43e0-B8FC-AC1667EBCBE1}">
-              <a14:hiddenEffects xmlns="" xmlns:a14="http://schemas.microsoft.com/office/drawing/2010/main">
+              <a14:hiddenEffects xmlns:a14="http://schemas.microsoft.com/office/drawing/2010/main" xmlns="">
                 <a:effectLst>
                   <a:outerShdw blurRad="63500" dist="38099" dir="2700000" algn="ctr" rotWithShape="0">
                     <a:schemeClr val="bg2">
@@ -2669,7 +2670,7 @@
               </a14:hiddenEffects>
             </a:ext>
             <a:ext uri="{FAA26D3D-D897-4be2-8F04-BA451C77F1D7}">
-              <ma14:placeholderFlag xmlns="" xmlns:ma14="http://schemas.microsoft.com/office/mac/drawingml/2011/main" val="1"/>
+              <ma14:placeholderFlag xmlns:ma14="http://schemas.microsoft.com/office/mac/drawingml/2011/main" xmlns="" val="1"/>
             </a:ext>
           </a:extLst>
         </p:spPr>
@@ -3338,7 +3339,7 @@
           <p:cNvPr id="2" name="Title 1">
             <a:extLst>
               <a:ext uri="{FF2B5EF4-FFF2-40B4-BE49-F238E27FC236}">
-                <a16:creationId xmlns:a16="http://schemas.microsoft.com/office/drawing/2014/main" id="{9A11AB94-4089-814D-D533-A53E3C3AAD8B}"/>
+                <a16:creationId xmlns:a16="http://schemas.microsoft.com/office/drawing/2014/main" id="{91103D25-B569-D186-05CF-D293C8653165}"/>
               </a:ext>
             </a:extLst>
           </p:cNvPr>
@@ -3349,19 +3350,14 @@
             <p:ph type="title"/>
           </p:nvPr>
         </p:nvSpPr>
-        <p:spPr>
-          <a:xfrm>
-            <a:off x="685800" y="457200"/>
-            <a:ext cx="7772400" cy="1143000"/>
-          </a:xfrm>
-        </p:spPr>
+        <p:spPr/>
         <p:txBody>
           <a:bodyPr/>
           <a:lstStyle/>
           <a:p>
             <a:r>
               <a:rPr lang="en-US" dirty="0"/>
-              <a:t>Managing interfaces – semantics</a:t>
+              <a:t>Manage interfaces - syntax</a:t>
             </a:r>
           </a:p>
         </p:txBody>
@@ -3371,7 +3367,7 @@
           <p:cNvPr id="3" name="Content Placeholder 2">
             <a:extLst>
               <a:ext uri="{FF2B5EF4-FFF2-40B4-BE49-F238E27FC236}">
-                <a16:creationId xmlns:a16="http://schemas.microsoft.com/office/drawing/2014/main" id="{EE130673-F59D-139A-7F87-CED5A8CF6C4F}"/>
+                <a16:creationId xmlns:a16="http://schemas.microsoft.com/office/drawing/2014/main" id="{242120CD-F76F-A1A4-35F5-CA823547ED08}"/>
               </a:ext>
             </a:extLst>
           </p:cNvPr>
@@ -3389,49 +3385,64 @@
           <a:p>
             <a:r>
               <a:rPr lang="en-US" dirty="0"/>
-              <a:t>Requires agreement between parties wishing to interoperate. E.g.</a:t>
+              <a:t>Typically achieved through</a:t>
+            </a:r>
+            <a:r>
+              <a:rPr lang="en-US" baseline="0" dirty="0"/>
+              <a:t> standards</a:t>
             </a:r>
           </a:p>
           <a:p>
             <a:pPr lvl="1"/>
             <a:r>
               <a:rPr lang="en-US" dirty="0"/>
-              <a:t>What is a residential address? Differs in various portions of the world. May be number, street, city, state. </a:t>
+              <a:t>HTTP</a:t>
             </a:r>
           </a:p>
           <a:p>
             <a:pPr lvl="1"/>
             <a:r>
-              <a:rPr lang="en-US" dirty="0"/>
-              <a:t>May be telephone pole number</a:t>
+              <a:rPr lang="en-US" baseline="0" dirty="0"/>
+              <a:t>REST</a:t>
             </a:r>
           </a:p>
           <a:p>
             <a:pPr lvl="1"/>
             <a:r>
               <a:rPr lang="en-US" dirty="0"/>
-              <a:t>Etc.</a:t>
-            </a:r>
-          </a:p>
-          <a:p>
-            <a:r>
-              <a:rPr lang="en-US" dirty="0"/>
-              <a:t>A third party may define</a:t>
-            </a:r>
+              <a:t>SOAP</a:t>
+            </a:r>
+          </a:p>
+          <a:p>
+            <a:pPr lvl="1"/>
             <a:r>
               <a:rPr lang="en-US" baseline="0" dirty="0"/>
-              <a:t> agreed upon interpretation.</a:t>
+              <a:t>XML </a:t>
             </a:r>
           </a:p>
           <a:p>
             <a:pPr lvl="1"/>
             <a:r>
               <a:rPr lang="en-US" dirty="0"/>
-              <a:t>Domain specific organization</a:t>
+              <a:t>…</a:t>
+            </a:r>
+          </a:p>
+          <a:p>
+            <a:pPr lvl="0"/>
+            <a:r>
+              <a:rPr lang="en-US" dirty="0"/>
+              <a:t>May involve</a:t>
             </a:r>
             <a:r>
               <a:rPr lang="en-US" baseline="0" dirty="0"/>
-              <a:t> </a:t>
+              <a:t> both syntax and sequence. E.g.</a:t>
+            </a:r>
+          </a:p>
+          <a:p>
+            <a:pPr lvl="1"/>
+            <a:r>
+              <a:rPr lang="en-US" dirty="0"/>
+              <a:t>Must initialize component prior to invoking it.</a:t>
             </a:r>
           </a:p>
         </p:txBody>
@@ -3439,7 +3450,7 @@
     </p:spTree>
     <p:extLst>
       <p:ext uri="{BB962C8B-B14F-4D97-AF65-F5344CB8AC3E}">
-        <p14:creationId xmlns:p14="http://schemas.microsoft.com/office/powerpoint/2010/main" val="3265153026"/>
+        <p14:creationId xmlns:p14="http://schemas.microsoft.com/office/powerpoint/2010/main" val="686691505"/>
       </p:ext>
     </p:extLst>
   </p:cSld>
@@ -3471,7 +3482,7 @@
           <p:cNvPr id="2" name="Title 1">
             <a:extLst>
               <a:ext uri="{FF2B5EF4-FFF2-40B4-BE49-F238E27FC236}">
-                <a16:creationId xmlns:a16="http://schemas.microsoft.com/office/drawing/2014/main" id="{AEEB56E8-A1FA-ACEE-89FD-0B5D890B1B82}"/>
+                <a16:creationId xmlns:a16="http://schemas.microsoft.com/office/drawing/2014/main" id="{9A11AB94-4089-814D-D533-A53E3C3AAD8B}"/>
               </a:ext>
             </a:extLst>
           </p:cNvPr>
@@ -3484,7 +3495,7 @@
         </p:nvSpPr>
         <p:spPr>
           <a:xfrm>
-            <a:off x="685800" y="533400"/>
+            <a:off x="685800" y="457200"/>
             <a:ext cx="7772400" cy="1143000"/>
           </a:xfrm>
         </p:spPr>
@@ -3504,7 +3515,7 @@
           <p:cNvPr id="3" name="Content Placeholder 2">
             <a:extLst>
               <a:ext uri="{FF2B5EF4-FFF2-40B4-BE49-F238E27FC236}">
-                <a16:creationId xmlns:a16="http://schemas.microsoft.com/office/drawing/2014/main" id="{31527FE9-0779-2C7A-4C85-1DA308073460}"/>
+                <a16:creationId xmlns:a16="http://schemas.microsoft.com/office/drawing/2014/main" id="{EE130673-F59D-139A-7F87-CED5A8CF6C4F}"/>
               </a:ext>
             </a:extLst>
           </p:cNvPr>
@@ -3522,22 +3533,57 @@
           <a:p>
             <a:r>
               <a:rPr lang="en-US" dirty="0"/>
-              <a:t>May require translation from one</a:t>
+              <a:t>Requires agreement between parties wishing to interoperate. E.g.</a:t>
+            </a:r>
+          </a:p>
+          <a:p>
+            <a:pPr lvl="1"/>
+            <a:r>
+              <a:rPr lang="en-US" dirty="0"/>
+              <a:t>What is a residential address? Differs in various portions of the world. May be number, street, city, state. </a:t>
+            </a:r>
+          </a:p>
+          <a:p>
+            <a:pPr lvl="1"/>
+            <a:r>
+              <a:rPr lang="en-US" dirty="0"/>
+              <a:t>May be telephone pole number</a:t>
+            </a:r>
+          </a:p>
+          <a:p>
+            <a:pPr lvl="1"/>
+            <a:r>
+              <a:rPr lang="en-US" dirty="0"/>
+              <a:t>Etc.</a:t>
+            </a:r>
+          </a:p>
+          <a:p>
+            <a:r>
+              <a:rPr lang="en-US" dirty="0"/>
+              <a:t>A third party may define</a:t>
             </a:r>
             <a:r>
               <a:rPr lang="en-US" baseline="0" dirty="0"/>
-              <a:t> representation to another</a:t>
-            </a:r>
-          </a:p>
-          <a:p>
-            <a:endParaRPr lang="en-US" baseline="0" dirty="0"/>
+              <a:t> agreed upon interpretation.</a:t>
+            </a:r>
+          </a:p>
+          <a:p>
+            <a:pPr lvl="1"/>
+            <a:r>
+              <a:rPr lang="en-US" dirty="0"/>
+              <a:t>Domain specific organization</a:t>
+            </a:r>
+            <a:r>
+              <a:rPr lang="en-US" baseline="0" dirty="0"/>
+              <a:t> </a:t>
+            </a:r>
           </a:p>
         </p:txBody>
       </p:sp>
     </p:spTree>
     <p:extLst>
       <p:ext uri="{BB962C8B-B14F-4D97-AF65-F5344CB8AC3E}">
-        <p14:creationId xmlns:p14="http://schemas.microsoft.com/office/powerpoint/2010/main" val="220427634"/>
+        <p14:creationId xmlns:p14="http://schemas.microsoft.com/office/powerpoint/2010/main" val="3265153026"/>
       </p:ext>
     </p:extLst>
   </p:cSld>
@@ -3569,7 +3615,7 @@
           <p:cNvPr id="2" name="Title 1">
             <a:extLst>
               <a:ext uri="{FF2B5EF4-FFF2-40B4-BE49-F238E27FC236}">
-                <a16:creationId xmlns:a16="http://schemas.microsoft.com/office/drawing/2014/main" id="{AFBA66B2-E710-FAB7-9395-8D8AE1CA3EF2}"/>
+                <a16:creationId xmlns:a16="http://schemas.microsoft.com/office/drawing/2014/main" id="{AEEB56E8-A1FA-ACEE-89FD-0B5D890B1B82}"/>
               </a:ext>
             </a:extLst>
           </p:cNvPr>
@@ -3580,14 +3626,19 @@
             <p:ph type="title"/>
           </p:nvPr>
         </p:nvSpPr>
-        <p:spPr/>
+        <p:spPr>
+          <a:xfrm>
+            <a:off x="685800" y="533400"/>
+            <a:ext cx="7772400" cy="1143000"/>
+          </a:xfrm>
+        </p:spPr>
         <p:txBody>
           <a:bodyPr/>
           <a:lstStyle/>
           <a:p>
             <a:r>
               <a:rPr lang="en-US" dirty="0"/>
-              <a:t>Outline</a:t>
+              <a:t>Managing interfaces – semantics</a:t>
             </a:r>
           </a:p>
         </p:txBody>
@@ -3597,7 +3648,7 @@
           <p:cNvPr id="3" name="Content Placeholder 2">
             <a:extLst>
               <a:ext uri="{FF2B5EF4-FFF2-40B4-BE49-F238E27FC236}">
-                <a16:creationId xmlns:a16="http://schemas.microsoft.com/office/drawing/2014/main" id="{D3A7F6AE-D3AA-E87E-D166-BA54E136278B}"/>
+                <a16:creationId xmlns:a16="http://schemas.microsoft.com/office/drawing/2014/main" id="{31527FE9-0779-2C7A-4C85-1DA308073460}"/>
               </a:ext>
             </a:extLst>
           </p:cNvPr>
@@ -3614,39 +3665,23 @@
           <a:lstStyle/>
           <a:p>
             <a:r>
-              <a:rPr lang="en-US" b="0" dirty="0"/>
-              <a:t>Introduction</a:t>
-            </a:r>
-          </a:p>
-          <a:p>
-            <a:r>
-              <a:rPr lang="en-US" dirty="0"/>
-              <a:t>Locating</a:t>
+              <a:rPr lang="en-US" dirty="0"/>
+              <a:t>May require translation from one</a:t>
             </a:r>
             <a:r>
               <a:rPr lang="en-US" baseline="0" dirty="0"/>
-              <a:t> component with which to interoperate</a:t>
-            </a:r>
-            <a:endParaRPr lang="en-US" dirty="0"/>
-          </a:p>
-          <a:p>
-            <a:r>
-              <a:rPr lang="en-US" dirty="0"/>
-              <a:t>Managing interfaces</a:t>
-            </a:r>
-          </a:p>
-          <a:p>
-            <a:r>
-              <a:rPr lang="en-US" b="1" dirty="0"/>
-              <a:t>Message bus</a:t>
-            </a:r>
+              <a:t> representation to another</a:t>
+            </a:r>
+          </a:p>
+          <a:p>
+            <a:endParaRPr lang="en-US" baseline="0" dirty="0"/>
           </a:p>
         </p:txBody>
       </p:sp>
     </p:spTree>
     <p:extLst>
       <p:ext uri="{BB962C8B-B14F-4D97-AF65-F5344CB8AC3E}">
-        <p14:creationId xmlns:p14="http://schemas.microsoft.com/office/powerpoint/2010/main" val="2443203271"/>
+        <p14:creationId xmlns:p14="http://schemas.microsoft.com/office/powerpoint/2010/main" val="220427634"/>
       </p:ext>
     </p:extLst>
   </p:cSld>
@@ -3678,6 +3713,115 @@
           <p:cNvPr id="2" name="Title 1">
             <a:extLst>
               <a:ext uri="{FF2B5EF4-FFF2-40B4-BE49-F238E27FC236}">
+                <a16:creationId xmlns:a16="http://schemas.microsoft.com/office/drawing/2014/main" id="{AFBA66B2-E710-FAB7-9395-8D8AE1CA3EF2}"/>
+              </a:ext>
+            </a:extLst>
+          </p:cNvPr>
+          <p:cNvSpPr>
+            <a:spLocks noGrp="1"/>
+          </p:cNvSpPr>
+          <p:nvPr>
+            <p:ph type="title"/>
+          </p:nvPr>
+        </p:nvSpPr>
+        <p:spPr/>
+        <p:txBody>
+          <a:bodyPr/>
+          <a:lstStyle/>
+          <a:p>
+            <a:r>
+              <a:rPr lang="en-US" dirty="0"/>
+              <a:t>Outline</a:t>
+            </a:r>
+          </a:p>
+        </p:txBody>
+      </p:sp>
+      <p:sp>
+        <p:nvSpPr>
+          <p:cNvPr id="3" name="Content Placeholder 2">
+            <a:extLst>
+              <a:ext uri="{FF2B5EF4-FFF2-40B4-BE49-F238E27FC236}">
+                <a16:creationId xmlns:a16="http://schemas.microsoft.com/office/drawing/2014/main" id="{D3A7F6AE-D3AA-E87E-D166-BA54E136278B}"/>
+              </a:ext>
+            </a:extLst>
+          </p:cNvPr>
+          <p:cNvSpPr>
+            <a:spLocks noGrp="1"/>
+          </p:cNvSpPr>
+          <p:nvPr>
+            <p:ph idx="1"/>
+          </p:nvPr>
+        </p:nvSpPr>
+        <p:spPr/>
+        <p:txBody>
+          <a:bodyPr/>
+          <a:lstStyle/>
+          <a:p>
+            <a:r>
+              <a:rPr lang="en-US" b="0" dirty="0"/>
+              <a:t>Introduction</a:t>
+            </a:r>
+          </a:p>
+          <a:p>
+            <a:r>
+              <a:rPr lang="en-US" dirty="0"/>
+              <a:t>Locating</a:t>
+            </a:r>
+            <a:r>
+              <a:rPr lang="en-US" baseline="0" dirty="0"/>
+              <a:t> component with which to interoperate</a:t>
+            </a:r>
+            <a:endParaRPr lang="en-US" dirty="0"/>
+          </a:p>
+          <a:p>
+            <a:r>
+              <a:rPr lang="en-US" dirty="0"/>
+              <a:t>Managing interfaces</a:t>
+            </a:r>
+          </a:p>
+          <a:p>
+            <a:r>
+              <a:rPr lang="en-US" b="1" dirty="0"/>
+              <a:t>Message bus</a:t>
+            </a:r>
+          </a:p>
+        </p:txBody>
+      </p:sp>
+    </p:spTree>
+    <p:extLst>
+      <p:ext uri="{BB962C8B-B14F-4D97-AF65-F5344CB8AC3E}">
+        <p14:creationId xmlns:p14="http://schemas.microsoft.com/office/powerpoint/2010/main" val="2443203271"/>
+      </p:ext>
+    </p:extLst>
+  </p:cSld>
+  <p:clrMapOvr>
+    <a:masterClrMapping/>
+  </p:clrMapOvr>
+</p:sld>
+</file>
+
+<file path=ppt/slides/slide14.xml><?xml version="1.0" encoding="utf-8"?>
+<p:sld xmlns:a="http://schemas.openxmlformats.org/drawingml/2006/main" xmlns:r="http://schemas.openxmlformats.org/officeDocument/2006/relationships" xmlns:p="http://schemas.openxmlformats.org/presentationml/2006/main">
+  <p:cSld>
+    <p:spTree>
+      <p:nvGrpSpPr>
+        <p:cNvPr id="1" name=""/>
+        <p:cNvGrpSpPr/>
+        <p:nvPr/>
+      </p:nvGrpSpPr>
+      <p:grpSpPr>
+        <a:xfrm>
+          <a:off x="0" y="0"/>
+          <a:ext cx="0" cy="0"/>
+          <a:chOff x="0" y="0"/>
+          <a:chExt cx="0" cy="0"/>
+        </a:xfrm>
+      </p:grpSpPr>
+      <p:sp>
+        <p:nvSpPr>
+          <p:cNvPr id="2" name="Title 1">
+            <a:extLst>
+              <a:ext uri="{FF2B5EF4-FFF2-40B4-BE49-F238E27FC236}">
                 <a16:creationId xmlns:a16="http://schemas.microsoft.com/office/drawing/2014/main" id="{617DA872-58DC-3A4B-2206-4EBCCAFA24B3}"/>
               </a:ext>
             </a:extLst>
@@ -3741,7 +3885,7 @@
           <a:effectLst/>
           <a:extLst>
             <a:ext uri="{AF507438-7753-43e0-B8FC-AC1667EBCBE1}">
-              <a14:hiddenEffects xmlns="" xmlns:a14="http://schemas.microsoft.com/office/drawing/2010/main">
+              <a14:hiddenEffects xmlns:a14="http://schemas.microsoft.com/office/drawing/2010/main" xmlns="">
                 <a:effectLst>
                   <a:outerShdw blurRad="63500" dist="38099" dir="2700000" algn="ctr" rotWithShape="0">
                     <a:schemeClr val="bg2">
@@ -3830,7 +3974,7 @@
           <a:effectLst/>
           <a:extLst>
             <a:ext uri="{AF507438-7753-43e0-B8FC-AC1667EBCBE1}">
-              <a14:hiddenEffects xmlns="" xmlns:a14="http://schemas.microsoft.com/office/drawing/2010/main">
+              <a14:hiddenEffects xmlns:a14="http://schemas.microsoft.com/office/drawing/2010/main" xmlns="">
                 <a:effectLst>
                   <a:outerShdw blurRad="63500" dist="38099" dir="2700000" algn="ctr" rotWithShape="0">
                     <a:schemeClr val="bg2">
@@ -3919,7 +4063,7 @@
           <a:effectLst/>
           <a:extLst>
             <a:ext uri="{AF507438-7753-43e0-B8FC-AC1667EBCBE1}">
-              <a14:hiddenEffects xmlns="" xmlns:a14="http://schemas.microsoft.com/office/drawing/2010/main">
+              <a14:hiddenEffects xmlns:a14="http://schemas.microsoft.com/office/drawing/2010/main" xmlns="">
                 <a:effectLst>
                   <a:outerShdw blurRad="63500" dist="38099" dir="2700000" algn="ctr" rotWithShape="0">
                     <a:schemeClr val="bg2">
@@ -4008,7 +4152,7 @@
           <a:effectLst/>
           <a:extLst>
             <a:ext uri="{AF507438-7753-43e0-B8FC-AC1667EBCBE1}">
-              <a14:hiddenEffects xmlns="" xmlns:a14="http://schemas.microsoft.com/office/drawing/2010/main">
+              <a14:hiddenEffects xmlns:a14="http://schemas.microsoft.com/office/drawing/2010/main" xmlns="">
                 <a:effectLst>
                   <a:outerShdw blurRad="63500" dist="38099" dir="2700000" algn="ctr" rotWithShape="0">
                     <a:schemeClr val="bg2">
@@ -4056,7 +4200,7 @@
           <a:effectLst/>
           <a:extLst>
             <a:ext uri="{AF507438-7753-43e0-B8FC-AC1667EBCBE1}">
-              <a14:hiddenEffects xmlns="" xmlns:a14="http://schemas.microsoft.com/office/drawing/2010/main">
+              <a14:hiddenEffects xmlns:a14="http://schemas.microsoft.com/office/drawing/2010/main" xmlns="">
                 <a:effectLst>
                   <a:outerShdw blurRad="63500" dist="38099" dir="2700000" algn="ctr" rotWithShape="0">
                     <a:schemeClr val="bg2">
@@ -4174,7 +4318,7 @@
           <a:effectLst/>
           <a:extLst>
             <a:ext uri="{AF507438-7753-43e0-B8FC-AC1667EBCBE1}">
-              <a14:hiddenEffects xmlns="" xmlns:a14="http://schemas.microsoft.com/office/drawing/2010/main">
+              <a14:hiddenEffects xmlns:a14="http://schemas.microsoft.com/office/drawing/2010/main" xmlns="">
                 <a:effectLst>
                   <a:outerShdw blurRad="63500" dist="38099" dir="2700000" algn="ctr" rotWithShape="0">
                     <a:schemeClr val="bg2">
@@ -4222,7 +4366,7 @@
           <a:effectLst/>
           <a:extLst>
             <a:ext uri="{AF507438-7753-43e0-B8FC-AC1667EBCBE1}">
-              <a14:hiddenEffects xmlns="" xmlns:a14="http://schemas.microsoft.com/office/drawing/2010/main">
+              <a14:hiddenEffects xmlns:a14="http://schemas.microsoft.com/office/drawing/2010/main" xmlns="">
                 <a:effectLst>
                   <a:outerShdw blurRad="63500" dist="38099" dir="2700000" algn="ctr" rotWithShape="0">
                     <a:schemeClr val="bg2">
@@ -4388,7 +4532,7 @@
 </p:sld>
 </file>
 
-<file path=ppt/slides/slide14.xml><?xml version="1.0" encoding="utf-8"?>
+<file path=ppt/slides/slide15.xml><?xml version="1.0" encoding="utf-8"?>
 <p:sld xmlns:a="http://schemas.openxmlformats.org/drawingml/2006/main" xmlns:r="http://schemas.openxmlformats.org/officeDocument/2006/relationships" xmlns:p="http://schemas.openxmlformats.org/presentationml/2006/main">
   <p:cSld>
     <p:spTree>
@@ -4496,7 +4640,7 @@
 </p:sld>
 </file>
 
-<file path=ppt/slides/slide15.xml><?xml version="1.0" encoding="utf-8"?>
+<file path=ppt/slides/slide16.xml><?xml version="1.0" encoding="utf-8"?>
 <p:sld xmlns:a="http://schemas.openxmlformats.org/drawingml/2006/main" xmlns:r="http://schemas.openxmlformats.org/officeDocument/2006/relationships" xmlns:p="http://schemas.openxmlformats.org/presentationml/2006/main">
   <p:cSld>
     <p:spTree>
@@ -5195,50 +5339,21 @@
           <a:p>
             <a:r>
               <a:rPr lang="en-US" dirty="0"/>
-              <a:t>Plug and play – when component is plugged into a network, it broadcasts a “I am here” message giving </a:t>
-            </a:r>
-            <a:r>
-              <a:rPr lang="en-US" dirty="0" err="1"/>
-              <a:t>tts</a:t>
-            </a:r>
-            <a:r>
-              <a:rPr lang="en-US" dirty="0"/>
-              <a:t> ID ad details. Some piece of the system listens for the message and records that information.</a:t>
-            </a:r>
-          </a:p>
-          <a:p>
-            <a:r>
-              <a:rPr lang="en-US" dirty="0"/>
-              <a:t>Two components can communicate through a third</a:t>
-            </a:r>
-            <a:r>
-              <a:rPr lang="en-US" baseline="0" dirty="0"/>
-              <a:t> component. </a:t>
+              <a:t>Plug and play – when component is plugged into a network, it locates a recipient using a discovery service. The recipient may be </a:t>
             </a:r>
           </a:p>
           <a:p>
             <a:pPr lvl="1"/>
             <a:r>
               <a:rPr lang="en-US" dirty="0"/>
-              <a:t>Each registers with the third component</a:t>
+              <a:t>a middleware component</a:t>
             </a:r>
           </a:p>
           <a:p>
             <a:pPr lvl="1"/>
             <a:r>
               <a:rPr lang="en-US" dirty="0"/>
-              <a:t>The third component forwards messages from one component</a:t>
-            </a:r>
-            <a:r>
-              <a:rPr lang="en-US" baseline="0" dirty="0"/>
-              <a:t> to the other.</a:t>
-            </a:r>
-          </a:p>
-          <a:p>
-            <a:pPr lvl="1"/>
-            <a:r>
-              <a:rPr lang="en-US" dirty="0"/>
-              <a:t>A message bus is common.</a:t>
+              <a:t>An intended component with which to interoperate</a:t>
             </a:r>
           </a:p>
         </p:txBody>
@@ -5278,7 +5393,7 @@
           <p:cNvPr id="2" name="Title 1">
             <a:extLst>
               <a:ext uri="{FF2B5EF4-FFF2-40B4-BE49-F238E27FC236}">
-                <a16:creationId xmlns:a16="http://schemas.microsoft.com/office/drawing/2014/main" id="{AFBA66B2-E710-FAB7-9395-8D8AE1CA3EF2}"/>
+                <a16:creationId xmlns:a16="http://schemas.microsoft.com/office/drawing/2014/main" id="{A7141FA4-4D69-7AFB-BEFB-2D8781DFD755}"/>
               </a:ext>
             </a:extLst>
           </p:cNvPr>
@@ -5296,7 +5411,7 @@
           <a:p>
             <a:r>
               <a:rPr lang="en-US" dirty="0"/>
-              <a:t>Outline</a:t>
+              <a:t>Using middleware</a:t>
             </a:r>
           </a:p>
         </p:txBody>
@@ -5306,7 +5421,7 @@
           <p:cNvPr id="3" name="Content Placeholder 2">
             <a:extLst>
               <a:ext uri="{FF2B5EF4-FFF2-40B4-BE49-F238E27FC236}">
-                <a16:creationId xmlns:a16="http://schemas.microsoft.com/office/drawing/2014/main" id="{D3A7F6AE-D3AA-E87E-D166-BA54E136278B}"/>
+                <a16:creationId xmlns:a16="http://schemas.microsoft.com/office/drawing/2014/main" id="{AB4C3450-CD29-20CF-8916-2E8B60F186F3}"/>
               </a:ext>
             </a:extLst>
           </p:cNvPr>
@@ -5324,25 +5439,50 @@
           <a:p>
             <a:r>
               <a:rPr lang="en-US" dirty="0"/>
-              <a:t>Introduction</a:t>
-            </a:r>
-          </a:p>
-          <a:p>
-            <a:r>
-              <a:rPr lang="en-US" dirty="0"/>
-              <a:t>Routing messages</a:t>
-            </a:r>
-          </a:p>
-          <a:p>
-            <a:r>
-              <a:rPr lang="en-US" b="1" dirty="0"/>
-              <a:t>Managing interfaces</a:t>
-            </a:r>
-          </a:p>
-          <a:p>
-            <a:r>
-              <a:rPr lang="en-US" dirty="0"/>
-              <a:t>Message bus</a:t>
+              <a:t>Middleware upon initialization </a:t>
+            </a:r>
+            <a:r>
+              <a:rPr lang="en-US" dirty="0" err="1"/>
+              <a:t>creats</a:t>
+            </a:r>
+            <a:r>
+              <a:rPr lang="en-US" dirty="0"/>
+              <a:t> a list of topics.</a:t>
+            </a:r>
+          </a:p>
+          <a:p>
+            <a:r>
+              <a:rPr lang="en-US" dirty="0"/>
+              <a:t>Two components can communicate through a third</a:t>
+            </a:r>
+            <a:r>
+              <a:rPr lang="en-US" baseline="0" dirty="0"/>
+              <a:t> middleware component by publishing or subscribing to a topic. </a:t>
+            </a:r>
+          </a:p>
+          <a:p>
+            <a:pPr lvl="1"/>
+            <a:r>
+              <a:rPr lang="en-US" dirty="0"/>
+              <a:t>Each registers with the middleware for specific topics.</a:t>
+            </a:r>
+          </a:p>
+          <a:p>
+            <a:pPr lvl="1"/>
+            <a:r>
+              <a:rPr lang="en-US" dirty="0"/>
+              <a:t>The middleware forwards messages from one component</a:t>
+            </a:r>
+            <a:r>
+              <a:rPr lang="en-US" baseline="0" dirty="0"/>
+              <a:t> to the other.</a:t>
+            </a:r>
+          </a:p>
+          <a:p>
+            <a:pPr lvl="1"/>
+            <a:r>
+              <a:rPr lang="en-US" dirty="0"/>
+              <a:t>A message bus is common.</a:t>
             </a:r>
           </a:p>
         </p:txBody>
@@ -5350,7 +5490,7 @@
     </p:spTree>
     <p:extLst>
       <p:ext uri="{BB962C8B-B14F-4D97-AF65-F5344CB8AC3E}">
-        <p14:creationId xmlns:p14="http://schemas.microsoft.com/office/powerpoint/2010/main" val="3744696944"/>
+        <p14:creationId xmlns:p14="http://schemas.microsoft.com/office/powerpoint/2010/main" val="3227174222"/>
       </p:ext>
     </p:extLst>
   </p:cSld>
@@ -5382,7 +5522,7 @@
           <p:cNvPr id="2" name="Title 1">
             <a:extLst>
               <a:ext uri="{FF2B5EF4-FFF2-40B4-BE49-F238E27FC236}">
-                <a16:creationId xmlns:a16="http://schemas.microsoft.com/office/drawing/2014/main" id="{91103D25-B569-D186-05CF-D293C8653165}"/>
+                <a16:creationId xmlns:a16="http://schemas.microsoft.com/office/drawing/2014/main" id="{AFBA66B2-E710-FAB7-9395-8D8AE1CA3EF2}"/>
               </a:ext>
             </a:extLst>
           </p:cNvPr>
@@ -5400,7 +5540,7 @@
           <a:p>
             <a:r>
               <a:rPr lang="en-US" dirty="0"/>
-              <a:t>Manage interfaces - syntax</a:t>
+              <a:t>Outline</a:t>
             </a:r>
           </a:p>
         </p:txBody>
@@ -5410,7 +5550,7 @@
           <p:cNvPr id="3" name="Content Placeholder 2">
             <a:extLst>
               <a:ext uri="{FF2B5EF4-FFF2-40B4-BE49-F238E27FC236}">
-                <a16:creationId xmlns:a16="http://schemas.microsoft.com/office/drawing/2014/main" id="{242120CD-F76F-A1A4-35F5-CA823547ED08}"/>
+                <a16:creationId xmlns:a16="http://schemas.microsoft.com/office/drawing/2014/main" id="{D3A7F6AE-D3AA-E87E-D166-BA54E136278B}"/>
               </a:ext>
             </a:extLst>
           </p:cNvPr>
@@ -5428,64 +5568,25 @@
           <a:p>
             <a:r>
               <a:rPr lang="en-US" dirty="0"/>
-              <a:t>Typically achieved through</a:t>
-            </a:r>
-            <a:r>
-              <a:rPr lang="en-US" baseline="0" dirty="0"/>
-              <a:t> standards</a:t>
-            </a:r>
-          </a:p>
-          <a:p>
-            <a:pPr lvl="1"/>
-            <a:r>
-              <a:rPr lang="en-US" dirty="0"/>
-              <a:t>HTTP</a:t>
-            </a:r>
-          </a:p>
-          <a:p>
-            <a:pPr lvl="1"/>
-            <a:r>
-              <a:rPr lang="en-US" baseline="0" dirty="0"/>
-              <a:t>REST</a:t>
-            </a:r>
-          </a:p>
-          <a:p>
-            <a:pPr lvl="1"/>
-            <a:r>
-              <a:rPr lang="en-US" dirty="0"/>
-              <a:t>SOAP</a:t>
-            </a:r>
-          </a:p>
-          <a:p>
-            <a:pPr lvl="1"/>
-            <a:r>
-              <a:rPr lang="en-US" baseline="0" dirty="0"/>
-              <a:t>XML </a:t>
-            </a:r>
-          </a:p>
-          <a:p>
-            <a:pPr lvl="1"/>
-            <a:r>
-              <a:rPr lang="en-US" dirty="0"/>
-              <a:t>…</a:t>
-            </a:r>
-          </a:p>
-          <a:p>
-            <a:pPr lvl="0"/>
-            <a:r>
-              <a:rPr lang="en-US" dirty="0"/>
-              <a:t>May involve</a:t>
-            </a:r>
-            <a:r>
-              <a:rPr lang="en-US" baseline="0" dirty="0"/>
-              <a:t> both syntax and sequence. E.g.</a:t>
-            </a:r>
-          </a:p>
-          <a:p>
-            <a:pPr lvl="1"/>
-            <a:r>
-              <a:rPr lang="en-US" dirty="0"/>
-              <a:t>Must initialize component prior to invoking it.</a:t>
+              <a:t>Introduction</a:t>
+            </a:r>
+          </a:p>
+          <a:p>
+            <a:r>
+              <a:rPr lang="en-US" dirty="0"/>
+              <a:t>Routing messages</a:t>
+            </a:r>
+          </a:p>
+          <a:p>
+            <a:r>
+              <a:rPr lang="en-US" b="1" dirty="0"/>
+              <a:t>Managing interfaces</a:t>
+            </a:r>
+          </a:p>
+          <a:p>
+            <a:r>
+              <a:rPr lang="en-US" dirty="0"/>
+              <a:t>Message bus</a:t>
             </a:r>
           </a:p>
         </p:txBody>
@@ -5493,7 +5594,7 @@
     </p:spTree>
     <p:extLst>
       <p:ext uri="{BB962C8B-B14F-4D97-AF65-F5344CB8AC3E}">
-        <p14:creationId xmlns:p14="http://schemas.microsoft.com/office/powerpoint/2010/main" val="686691505"/>
+        <p14:creationId xmlns:p14="http://schemas.microsoft.com/office/powerpoint/2010/main" val="3744696944"/>
       </p:ext>
     </p:extLst>
   </p:cSld>
@@ -5749,7 +5850,7 @@
         <a:effectLst/>
         <a:extLst>
           <a:ext uri="{AF507438-7753-43e0-B8FC-AC1667EBCBE1}">
-            <a14:hiddenEffects xmlns="" xmlns:a14="http://schemas.microsoft.com/office/drawing/2010/main">
+            <a14:hiddenEffects xmlns:a14="http://schemas.microsoft.com/office/drawing/2010/main" xmlns="">
               <a:effectLst>
                 <a:outerShdw blurRad="63500" dist="38099" dir="2700000" algn="ctr" rotWithShape="0">
                   <a:schemeClr val="bg2">
@@ -5826,7 +5927,7 @@
         <a:effectLst/>
         <a:extLst>
           <a:ext uri="{AF507438-7753-43e0-B8FC-AC1667EBCBE1}">
-            <a14:hiddenEffects xmlns="" xmlns:a14="http://schemas.microsoft.com/office/drawing/2010/main">
+            <a14:hiddenEffects xmlns:a14="http://schemas.microsoft.com/office/drawing/2010/main" xmlns="">
               <a:effectLst>
                 <a:outerShdw blurRad="63500" dist="38099" dir="2700000" algn="ctr" rotWithShape="0">
                   <a:schemeClr val="bg2">

--- a/integrability.pptx
+++ b/integrability.pptx
@@ -5,10 +5,10 @@
     <p:sldMasterId id="2147483680" r:id="rId1"/>
   </p:sldMasterIdLst>
   <p:notesMasterIdLst>
-    <p:notesMasterId r:id="rId18"/>
+    <p:notesMasterId r:id="rId23"/>
   </p:notesMasterIdLst>
   <p:handoutMasterIdLst>
-    <p:handoutMasterId r:id="rId19"/>
+    <p:handoutMasterId r:id="rId24"/>
   </p:handoutMasterIdLst>
   <p:sldIdLst>
     <p:sldId id="256" r:id="rId2"/>
@@ -23,10 +23,15 @@
     <p:sldId id="260" r:id="rId11"/>
     <p:sldId id="261" r:id="rId12"/>
     <p:sldId id="262" r:id="rId13"/>
-    <p:sldId id="270" r:id="rId14"/>
-    <p:sldId id="264" r:id="rId15"/>
-    <p:sldId id="265" r:id="rId16"/>
-    <p:sldId id="271" r:id="rId17"/>
+    <p:sldId id="278" r:id="rId14"/>
+    <p:sldId id="281" r:id="rId15"/>
+    <p:sldId id="284" r:id="rId16"/>
+    <p:sldId id="282" r:id="rId17"/>
+    <p:sldId id="286" r:id="rId18"/>
+    <p:sldId id="270" r:id="rId19"/>
+    <p:sldId id="264" r:id="rId20"/>
+    <p:sldId id="265" r:id="rId21"/>
+    <p:sldId id="271" r:id="rId22"/>
   </p:sldIdLst>
   <p:sldSz cx="9144000" cy="6858000" type="screen4x3"/>
   <p:notesSz cx="7315200" cy="9601200"/>
@@ -1292,7 +1297,7 @@
         </p:nvCxnSpPr>
         <p:spPr bwMode="auto">
           <a:xfrm>
-            <a:off x="685800" y="1674812"/>
+            <a:off x="685800" y="1827212"/>
             <a:ext cx="7772400" cy="1588"/>
           </a:xfrm>
           <a:prstGeom prst="line">
@@ -3713,6 +3718,1073 @@
           <p:cNvPr id="2" name="Title 1">
             <a:extLst>
               <a:ext uri="{FF2B5EF4-FFF2-40B4-BE49-F238E27FC236}">
+                <a16:creationId xmlns:a16="http://schemas.microsoft.com/office/drawing/2014/main" id="{7CE2064F-6F86-CA28-4C05-18462AA12223}"/>
+              </a:ext>
+            </a:extLst>
+          </p:cNvPr>
+          <p:cNvSpPr>
+            <a:spLocks noGrp="1"/>
+          </p:cNvSpPr>
+          <p:nvPr>
+            <p:ph type="title"/>
+          </p:nvPr>
+        </p:nvSpPr>
+        <p:spPr/>
+        <p:txBody>
+          <a:bodyPr/>
+          <a:lstStyle/>
+          <a:p>
+            <a:r>
+              <a:rPr lang="en-US" dirty="0"/>
+              <a:t>Managing interfaces – multiple</a:t>
+            </a:r>
+            <a:r>
+              <a:rPr lang="en-US" baseline="0" dirty="0"/>
+              <a:t> languages</a:t>
+            </a:r>
+            <a:endParaRPr lang="en-US" dirty="0"/>
+          </a:p>
+        </p:txBody>
+      </p:sp>
+      <p:sp>
+        <p:nvSpPr>
+          <p:cNvPr id="3" name="Content Placeholder 2">
+            <a:extLst>
+              <a:ext uri="{FF2B5EF4-FFF2-40B4-BE49-F238E27FC236}">
+                <a16:creationId xmlns:a16="http://schemas.microsoft.com/office/drawing/2014/main" id="{491CE551-2FD1-770B-6E7C-BF548E418A02}"/>
+              </a:ext>
+            </a:extLst>
+          </p:cNvPr>
+          <p:cNvSpPr>
+            <a:spLocks noGrp="1"/>
+          </p:cNvSpPr>
+          <p:nvPr>
+            <p:ph idx="1"/>
+          </p:nvPr>
+        </p:nvSpPr>
+        <p:spPr/>
+        <p:txBody>
+          <a:bodyPr/>
+          <a:lstStyle/>
+          <a:p>
+            <a:r>
+              <a:rPr lang="en-US" dirty="0"/>
+              <a:t>If the two components that are interoperating are writing in different languages, managing the interface may become difficult.</a:t>
+            </a:r>
+          </a:p>
+          <a:p>
+            <a:r>
+              <a:rPr lang="en-US" dirty="0"/>
+              <a:t>This is true even when the two components are distributed.</a:t>
+            </a:r>
+          </a:p>
+        </p:txBody>
+      </p:sp>
+    </p:spTree>
+    <p:extLst>
+      <p:ext uri="{BB962C8B-B14F-4D97-AF65-F5344CB8AC3E}">
+        <p14:creationId xmlns:p14="http://schemas.microsoft.com/office/powerpoint/2010/main" val="4061758712"/>
+      </p:ext>
+    </p:extLst>
+  </p:cSld>
+  <p:clrMapOvr>
+    <a:masterClrMapping/>
+  </p:clrMapOvr>
+</p:sld>
+</file>
+
+<file path=ppt/slides/slide14.xml><?xml version="1.0" encoding="utf-8"?>
+<p:sld xmlns:a="http://schemas.openxmlformats.org/drawingml/2006/main" xmlns:r="http://schemas.openxmlformats.org/officeDocument/2006/relationships" xmlns:p="http://schemas.openxmlformats.org/presentationml/2006/main">
+  <p:cSld>
+    <p:spTree>
+      <p:nvGrpSpPr>
+        <p:cNvPr id="1" name=""/>
+        <p:cNvGrpSpPr/>
+        <p:nvPr/>
+      </p:nvGrpSpPr>
+      <p:grpSpPr>
+        <a:xfrm>
+          <a:off x="0" y="0"/>
+          <a:ext cx="0" cy="0"/>
+          <a:chOff x="0" y="0"/>
+          <a:chExt cx="0" cy="0"/>
+        </a:xfrm>
+      </p:grpSpPr>
+      <p:sp>
+        <p:nvSpPr>
+          <p:cNvPr id="2" name="Title 1">
+            <a:extLst>
+              <a:ext uri="{FF2B5EF4-FFF2-40B4-BE49-F238E27FC236}">
+                <a16:creationId xmlns:a16="http://schemas.microsoft.com/office/drawing/2014/main" id="{84C15949-C007-4FE1-B25D-D9FAAD447BCF}"/>
+              </a:ext>
+            </a:extLst>
+          </p:cNvPr>
+          <p:cNvSpPr>
+            <a:spLocks noGrp="1"/>
+          </p:cNvSpPr>
+          <p:nvPr>
+            <p:ph type="title"/>
+          </p:nvPr>
+        </p:nvSpPr>
+        <p:spPr/>
+        <p:txBody>
+          <a:bodyPr/>
+          <a:lstStyle/>
+          <a:p>
+            <a:r>
+              <a:rPr lang="en-US" dirty="0"/>
+              <a:t>Protocol Buffers - 1</a:t>
+            </a:r>
+          </a:p>
+        </p:txBody>
+      </p:sp>
+      <p:sp>
+        <p:nvSpPr>
+          <p:cNvPr id="3" name="Content Placeholder 2">
+            <a:extLst>
+              <a:ext uri="{FF2B5EF4-FFF2-40B4-BE49-F238E27FC236}">
+                <a16:creationId xmlns:a16="http://schemas.microsoft.com/office/drawing/2014/main" id="{731052A0-987D-4EB7-8806-D038329E44AA}"/>
+              </a:ext>
+            </a:extLst>
+          </p:cNvPr>
+          <p:cNvSpPr>
+            <a:spLocks noGrp="1"/>
+          </p:cNvSpPr>
+          <p:nvPr>
+            <p:ph idx="1"/>
+          </p:nvPr>
+        </p:nvSpPr>
+        <p:spPr/>
+        <p:txBody>
+          <a:bodyPr/>
+          <a:lstStyle/>
+          <a:p>
+            <a:r>
+              <a:rPr lang="en-US" sz="2400" dirty="0"/>
+              <a:t>Protocol buffer allows multi language communication using a schema that defines data types</a:t>
+            </a:r>
+          </a:p>
+          <a:p>
+            <a:r>
+              <a:rPr lang="en-US" sz="2400" dirty="0"/>
+              <a:t>A</a:t>
+            </a:r>
+            <a:r>
+              <a:rPr lang="en-US" sz="2400" baseline="0" dirty="0"/>
+              <a:t> protocol buffer specification is used to specify an interface</a:t>
+            </a:r>
+          </a:p>
+          <a:p>
+            <a:r>
+              <a:rPr lang="en-US" sz="2400" baseline="0" dirty="0"/>
+              <a:t>Language specific compilers used for each side of an interface</a:t>
+            </a:r>
+          </a:p>
+          <a:p>
+            <a:r>
+              <a:rPr lang="en-US" sz="2400" dirty="0"/>
+              <a:t>Allows different languages to communicate across a message based interface</a:t>
+            </a:r>
+          </a:p>
+        </p:txBody>
+      </p:sp>
+    </p:spTree>
+    <p:extLst>
+      <p:ext uri="{BB962C8B-B14F-4D97-AF65-F5344CB8AC3E}">
+        <p14:creationId xmlns:p14="http://schemas.microsoft.com/office/powerpoint/2010/main" val="744913133"/>
+      </p:ext>
+    </p:extLst>
+  </p:cSld>
+  <p:clrMapOvr>
+    <a:masterClrMapping/>
+  </p:clrMapOvr>
+</p:sld>
+</file>
+
+<file path=ppt/slides/slide15.xml><?xml version="1.0" encoding="utf-8"?>
+<p:sld xmlns:a="http://schemas.openxmlformats.org/drawingml/2006/main" xmlns:r="http://schemas.openxmlformats.org/officeDocument/2006/relationships" xmlns:p="http://schemas.openxmlformats.org/presentationml/2006/main">
+  <p:cSld>
+    <p:spTree>
+      <p:nvGrpSpPr>
+        <p:cNvPr id="1" name=""/>
+        <p:cNvGrpSpPr/>
+        <p:nvPr/>
+      </p:nvGrpSpPr>
+      <p:grpSpPr>
+        <a:xfrm>
+          <a:off x="0" y="0"/>
+          <a:ext cx="0" cy="0"/>
+          <a:chOff x="0" y="0"/>
+          <a:chExt cx="0" cy="0"/>
+        </a:xfrm>
+      </p:grpSpPr>
+      <p:sp>
+        <p:nvSpPr>
+          <p:cNvPr id="2" name="Title 1">
+            <a:extLst>
+              <a:ext uri="{FF2B5EF4-FFF2-40B4-BE49-F238E27FC236}">
+                <a16:creationId xmlns:a16="http://schemas.microsoft.com/office/drawing/2014/main" id="{DE3CA39D-EE98-235F-4D8F-C38B5F99CEFC}"/>
+              </a:ext>
+            </a:extLst>
+          </p:cNvPr>
+          <p:cNvSpPr>
+            <a:spLocks noGrp="1"/>
+          </p:cNvSpPr>
+          <p:nvPr>
+            <p:ph type="title"/>
+          </p:nvPr>
+        </p:nvSpPr>
+        <p:spPr>
+          <a:xfrm>
+            <a:off x="685800" y="457200"/>
+            <a:ext cx="7772400" cy="1143000"/>
+          </a:xfrm>
+        </p:spPr>
+        <p:txBody>
+          <a:bodyPr/>
+          <a:lstStyle/>
+          <a:p>
+            <a:r>
+              <a:rPr lang="en-US" dirty="0"/>
+              <a:t>Communicating between Python and Go</a:t>
+            </a:r>
+          </a:p>
+        </p:txBody>
+      </p:sp>
+      <p:sp>
+        <p:nvSpPr>
+          <p:cNvPr id="4" name="Rectangle 3">
+            <a:extLst>
+              <a:ext uri="{FF2B5EF4-FFF2-40B4-BE49-F238E27FC236}">
+                <a16:creationId xmlns:a16="http://schemas.microsoft.com/office/drawing/2014/main" id="{2DD52C11-5579-3C44-4CD2-D59AB2F12D0B}"/>
+              </a:ext>
+            </a:extLst>
+          </p:cNvPr>
+          <p:cNvSpPr/>
+          <p:nvPr/>
+        </p:nvSpPr>
+        <p:spPr bwMode="auto">
+          <a:xfrm>
+            <a:off x="3505200" y="1905000"/>
+            <a:ext cx="3048000" cy="1447800"/>
+          </a:xfrm>
+          <a:prstGeom prst="rect">
+            <a:avLst/>
+          </a:prstGeom>
+          <a:solidFill>
+            <a:schemeClr val="accent1"/>
+          </a:solidFill>
+          <a:ln w="9525" cap="flat" cmpd="sng" algn="ctr">
+            <a:solidFill>
+              <a:schemeClr val="tx1"/>
+            </a:solidFill>
+            <a:prstDash val="solid"/>
+            <a:round/>
+            <a:headEnd type="none" w="med" len="med"/>
+            <a:tailEnd type="none" w="med" len="med"/>
+          </a:ln>
+          <a:effectLst/>
+          <a:extLst>
+            <a:ext uri="{AF507438-7753-43e0-B8FC-AC1667EBCBE1}">
+              <a14:hiddenEffects xmlns:a14="http://schemas.microsoft.com/office/drawing/2010/main" xmlns="">
+                <a:effectLst>
+                  <a:outerShdw blurRad="63500" dist="38099" dir="2700000" algn="ctr" rotWithShape="0">
+                    <a:schemeClr val="bg2">
+                      <a:alpha val="74998"/>
+                    </a:schemeClr>
+                  </a:outerShdw>
+                </a:effectLst>
+              </a14:hiddenEffects>
+            </a:ext>
+          </a:extLst>
+        </p:spPr>
+        <p:txBody>
+          <a:bodyPr vert="horz" wrap="square" lIns="91440" tIns="45720" rIns="91440" bIns="45720" numCol="1" rtlCol="0" anchor="t" anchorCtr="0" compatLnSpc="1">
+            <a:prstTxWarp prst="textNoShape">
+              <a:avLst/>
+            </a:prstTxWarp>
+          </a:bodyPr>
+          <a:lstStyle/>
+          <a:p>
+            <a:pPr marL="0" marR="0" indent="0" algn="l" defTabSz="914400" rtl="0" eaLnBrk="0" fontAlgn="base" latinLnBrk="0" hangingPunct="0">
+              <a:lnSpc>
+                <a:spcPct val="100000"/>
+              </a:lnSpc>
+              <a:spcBef>
+                <a:spcPct val="0"/>
+              </a:spcBef>
+              <a:spcAft>
+                <a:spcPct val="0"/>
+              </a:spcAft>
+              <a:buClrTx/>
+              <a:buSzTx/>
+              <a:buFontTx/>
+              <a:buNone/>
+              <a:tabLst/>
+            </a:pPr>
+            <a:r>
+              <a:rPr kumimoji="0" lang="en-US" sz="2800" b="0" i="0" u="none" strike="noStrike" cap="none" normalizeH="0" baseline="0" dirty="0">
+                <a:ln>
+                  <a:noFill/>
+                </a:ln>
+                <a:solidFill>
+                  <a:srgbClr val="000000"/>
+                </a:solidFill>
+                <a:effectLst/>
+                <a:latin typeface="Times" charset="0"/>
+                <a:ea typeface="Osaka" charset="0"/>
+                <a:cs typeface="Osaka" charset="0"/>
+              </a:rPr>
+              <a:t>.Proto file</a:t>
+            </a:r>
+          </a:p>
+          <a:p>
+            <a:pPr marL="0" marR="0" indent="0" algn="l" defTabSz="914400" rtl="0" eaLnBrk="0" fontAlgn="base" latinLnBrk="0" hangingPunct="0">
+              <a:lnSpc>
+                <a:spcPct val="100000"/>
+              </a:lnSpc>
+              <a:spcBef>
+                <a:spcPct val="0"/>
+              </a:spcBef>
+              <a:spcAft>
+                <a:spcPct val="0"/>
+              </a:spcAft>
+              <a:buClrTx/>
+              <a:buSzTx/>
+              <a:buFontTx/>
+              <a:buNone/>
+              <a:tabLst/>
+            </a:pPr>
+            <a:r>
+              <a:rPr lang="en-US" sz="2800" dirty="0">
+                <a:solidFill>
+                  <a:srgbClr val="000000"/>
+                </a:solidFill>
+                <a:latin typeface="Times" charset="0"/>
+                <a:ea typeface="Osaka" charset="0"/>
+                <a:cs typeface="Osaka" charset="0"/>
+              </a:rPr>
+              <a:t>(human readable, schema)</a:t>
+            </a:r>
+            <a:endParaRPr kumimoji="0" lang="en-US" sz="2800" b="0" i="0" u="none" strike="noStrike" cap="none" normalizeH="0" baseline="0" dirty="0">
+              <a:ln>
+                <a:noFill/>
+              </a:ln>
+              <a:solidFill>
+                <a:srgbClr val="000000"/>
+              </a:solidFill>
+              <a:effectLst/>
+              <a:latin typeface="Times" charset="0"/>
+              <a:ea typeface="Osaka" charset="0"/>
+              <a:cs typeface="Osaka" charset="0"/>
+            </a:endParaRPr>
+          </a:p>
+        </p:txBody>
+      </p:sp>
+      <p:sp>
+        <p:nvSpPr>
+          <p:cNvPr id="5" name="Rectangle 4">
+            <a:extLst>
+              <a:ext uri="{FF2B5EF4-FFF2-40B4-BE49-F238E27FC236}">
+                <a16:creationId xmlns:a16="http://schemas.microsoft.com/office/drawing/2014/main" id="{DB7DCAD5-7EE9-BEBF-D987-9C1D635DE6D0}"/>
+              </a:ext>
+            </a:extLst>
+          </p:cNvPr>
+          <p:cNvSpPr/>
+          <p:nvPr/>
+        </p:nvSpPr>
+        <p:spPr bwMode="auto">
+          <a:xfrm>
+            <a:off x="2209800" y="5105400"/>
+            <a:ext cx="1295400" cy="838200"/>
+          </a:xfrm>
+          <a:prstGeom prst="rect">
+            <a:avLst/>
+          </a:prstGeom>
+          <a:solidFill>
+            <a:schemeClr val="accent1"/>
+          </a:solidFill>
+          <a:ln w="9525" cap="flat" cmpd="sng" algn="ctr">
+            <a:solidFill>
+              <a:schemeClr val="tx1"/>
+            </a:solidFill>
+            <a:prstDash val="solid"/>
+            <a:round/>
+            <a:headEnd type="none" w="med" len="med"/>
+            <a:tailEnd type="none" w="med" len="med"/>
+          </a:ln>
+          <a:effectLst/>
+          <a:extLst>
+            <a:ext uri="{AF507438-7753-43e0-B8FC-AC1667EBCBE1}">
+              <a14:hiddenEffects xmlns:a14="http://schemas.microsoft.com/office/drawing/2010/main" xmlns="">
+                <a:effectLst>
+                  <a:outerShdw blurRad="63500" dist="38099" dir="2700000" algn="ctr" rotWithShape="0">
+                    <a:schemeClr val="bg2">
+                      <a:alpha val="74998"/>
+                    </a:schemeClr>
+                  </a:outerShdw>
+                </a:effectLst>
+              </a14:hiddenEffects>
+            </a:ext>
+          </a:extLst>
+        </p:spPr>
+        <p:txBody>
+          <a:bodyPr vert="horz" wrap="square" lIns="91440" tIns="45720" rIns="91440" bIns="45720" numCol="1" rtlCol="0" anchor="t" anchorCtr="0" compatLnSpc="1">
+            <a:prstTxWarp prst="textNoShape">
+              <a:avLst/>
+            </a:prstTxWarp>
+          </a:bodyPr>
+          <a:lstStyle/>
+          <a:p>
+            <a:pPr marL="0" marR="0" indent="0" algn="l" defTabSz="914400" rtl="0" eaLnBrk="0" fontAlgn="base" latinLnBrk="0" hangingPunct="0">
+              <a:lnSpc>
+                <a:spcPct val="100000"/>
+              </a:lnSpc>
+              <a:spcBef>
+                <a:spcPct val="0"/>
+              </a:spcBef>
+              <a:spcAft>
+                <a:spcPct val="0"/>
+              </a:spcAft>
+              <a:buClrTx/>
+              <a:buSzTx/>
+              <a:buFontTx/>
+              <a:buNone/>
+              <a:tabLst/>
+            </a:pPr>
+            <a:r>
+              <a:rPr kumimoji="0" lang="en-US" sz="2400" b="0" i="0" u="none" strike="noStrike" cap="none" normalizeH="0" baseline="0" dirty="0">
+                <a:ln>
+                  <a:noFill/>
+                </a:ln>
+                <a:solidFill>
+                  <a:srgbClr val="000000"/>
+                </a:solidFill>
+                <a:effectLst/>
+                <a:latin typeface="Times" charset="0"/>
+                <a:ea typeface="Osaka" charset="0"/>
+                <a:cs typeface="Osaka" charset="0"/>
+              </a:rPr>
+              <a:t>Python program</a:t>
+            </a:r>
+          </a:p>
+        </p:txBody>
+      </p:sp>
+      <p:sp>
+        <p:nvSpPr>
+          <p:cNvPr id="6" name="Rectangle 5">
+            <a:extLst>
+              <a:ext uri="{FF2B5EF4-FFF2-40B4-BE49-F238E27FC236}">
+                <a16:creationId xmlns:a16="http://schemas.microsoft.com/office/drawing/2014/main" id="{6F7C21E9-C7E5-94BC-8FBC-A131B5F6660A}"/>
+              </a:ext>
+            </a:extLst>
+          </p:cNvPr>
+          <p:cNvSpPr/>
+          <p:nvPr/>
+        </p:nvSpPr>
+        <p:spPr bwMode="auto">
+          <a:xfrm>
+            <a:off x="5638802" y="5105400"/>
+            <a:ext cx="1295400" cy="990600"/>
+          </a:xfrm>
+          <a:prstGeom prst="rect">
+            <a:avLst/>
+          </a:prstGeom>
+          <a:solidFill>
+            <a:schemeClr val="accent1"/>
+          </a:solidFill>
+          <a:ln w="9525" cap="flat" cmpd="sng" algn="ctr">
+            <a:solidFill>
+              <a:schemeClr val="tx1"/>
+            </a:solidFill>
+            <a:prstDash val="solid"/>
+            <a:round/>
+            <a:headEnd type="none" w="med" len="med"/>
+            <a:tailEnd type="none" w="med" len="med"/>
+          </a:ln>
+          <a:effectLst/>
+          <a:extLst>
+            <a:ext uri="{AF507438-7753-43e0-B8FC-AC1667EBCBE1}">
+              <a14:hiddenEffects xmlns:a14="http://schemas.microsoft.com/office/drawing/2010/main" xmlns="">
+                <a:effectLst>
+                  <a:outerShdw blurRad="63500" dist="38099" dir="2700000" algn="ctr" rotWithShape="0">
+                    <a:schemeClr val="bg2">
+                      <a:alpha val="74998"/>
+                    </a:schemeClr>
+                  </a:outerShdw>
+                </a:effectLst>
+              </a14:hiddenEffects>
+            </a:ext>
+          </a:extLst>
+        </p:spPr>
+        <p:txBody>
+          <a:bodyPr vert="horz" wrap="square" lIns="91440" tIns="45720" rIns="91440" bIns="45720" numCol="1" rtlCol="0" anchor="t" anchorCtr="0" compatLnSpc="1">
+            <a:prstTxWarp prst="textNoShape">
+              <a:avLst/>
+            </a:prstTxWarp>
+          </a:bodyPr>
+          <a:lstStyle/>
+          <a:p>
+            <a:pPr marL="0" marR="0" indent="0" algn="l" defTabSz="914400" rtl="0" eaLnBrk="0" fontAlgn="base" latinLnBrk="0" hangingPunct="0">
+              <a:lnSpc>
+                <a:spcPct val="100000"/>
+              </a:lnSpc>
+              <a:spcBef>
+                <a:spcPct val="0"/>
+              </a:spcBef>
+              <a:spcAft>
+                <a:spcPct val="0"/>
+              </a:spcAft>
+              <a:buClrTx/>
+              <a:buSzTx/>
+              <a:buFontTx/>
+              <a:buNone/>
+              <a:tabLst/>
+            </a:pPr>
+            <a:r>
+              <a:rPr lang="en-US" sz="2400" dirty="0">
+                <a:solidFill>
+                  <a:srgbClr val="000000"/>
+                </a:solidFill>
+                <a:latin typeface="Times" charset="0"/>
+                <a:ea typeface="Osaka" charset="0"/>
+                <a:cs typeface="Osaka" charset="0"/>
+              </a:rPr>
+              <a:t>Go </a:t>
+            </a:r>
+            <a:r>
+              <a:rPr kumimoji="0" lang="en-US" sz="2400" b="0" i="0" u="none" strike="noStrike" cap="none" normalizeH="0" baseline="0" dirty="0">
+                <a:ln>
+                  <a:noFill/>
+                </a:ln>
+                <a:solidFill>
+                  <a:srgbClr val="000000"/>
+                </a:solidFill>
+                <a:effectLst/>
+                <a:latin typeface="Times" charset="0"/>
+                <a:ea typeface="Osaka" charset="0"/>
+                <a:cs typeface="Osaka" charset="0"/>
+              </a:rPr>
+              <a:t> program</a:t>
+            </a:r>
+          </a:p>
+        </p:txBody>
+      </p:sp>
+      <p:sp>
+        <p:nvSpPr>
+          <p:cNvPr id="7" name="TextBox 6">
+            <a:extLst>
+              <a:ext uri="{FF2B5EF4-FFF2-40B4-BE49-F238E27FC236}">
+                <a16:creationId xmlns:a16="http://schemas.microsoft.com/office/drawing/2014/main" id="{6736F1ED-79AA-A0F3-653B-B0C9B1B01D47}"/>
+              </a:ext>
+            </a:extLst>
+          </p:cNvPr>
+          <p:cNvSpPr txBox="1"/>
+          <p:nvPr/>
+        </p:nvSpPr>
+        <p:spPr>
+          <a:xfrm>
+            <a:off x="533400" y="3200400"/>
+            <a:ext cx="3047999" cy="1938992"/>
+          </a:xfrm>
+          <a:prstGeom prst="rect">
+            <a:avLst/>
+          </a:prstGeom>
+          <a:noFill/>
+        </p:spPr>
+        <p:txBody>
+          <a:bodyPr wrap="square" rtlCol="0">
+            <a:spAutoFit/>
+          </a:bodyPr>
+          <a:lstStyle/>
+          <a:p>
+            <a:r>
+              <a:rPr lang="en-US" sz="2400" dirty="0"/>
+              <a:t>Python .proto compiler produces marshalling  library linked into Python program</a:t>
+            </a:r>
+          </a:p>
+        </p:txBody>
+      </p:sp>
+      <p:sp>
+        <p:nvSpPr>
+          <p:cNvPr id="8" name="TextBox 7">
+            <a:extLst>
+              <a:ext uri="{FF2B5EF4-FFF2-40B4-BE49-F238E27FC236}">
+                <a16:creationId xmlns:a16="http://schemas.microsoft.com/office/drawing/2014/main" id="{A94D0D3E-F027-FBCC-DBCE-66EA4D5B5421}"/>
+              </a:ext>
+            </a:extLst>
+          </p:cNvPr>
+          <p:cNvSpPr txBox="1"/>
+          <p:nvPr/>
+        </p:nvSpPr>
+        <p:spPr>
+          <a:xfrm>
+            <a:off x="6172201" y="3276600"/>
+            <a:ext cx="3047999" cy="1938992"/>
+          </a:xfrm>
+          <a:prstGeom prst="rect">
+            <a:avLst/>
+          </a:prstGeom>
+          <a:noFill/>
+        </p:spPr>
+        <p:txBody>
+          <a:bodyPr wrap="square" rtlCol="0">
+            <a:spAutoFit/>
+          </a:bodyPr>
+          <a:lstStyle/>
+          <a:p>
+            <a:r>
+              <a:rPr lang="en-US" sz="2400" dirty="0"/>
+              <a:t>Go .proto compiler produces unmarshalling library linked into Go program</a:t>
+            </a:r>
+          </a:p>
+        </p:txBody>
+      </p:sp>
+      <p:cxnSp>
+        <p:nvCxnSpPr>
+          <p:cNvPr id="10" name="Straight Arrow Connector 9">
+            <a:extLst>
+              <a:ext uri="{FF2B5EF4-FFF2-40B4-BE49-F238E27FC236}">
+                <a16:creationId xmlns:a16="http://schemas.microsoft.com/office/drawing/2014/main" id="{A1839456-F2D0-CB4F-68F7-CE648456AFD6}"/>
+              </a:ext>
+            </a:extLst>
+          </p:cNvPr>
+          <p:cNvCxnSpPr/>
+          <p:nvPr/>
+        </p:nvCxnSpPr>
+        <p:spPr bwMode="auto">
+          <a:xfrm flipH="1">
+            <a:off x="3124200" y="3429000"/>
+            <a:ext cx="914400" cy="1676400"/>
+          </a:xfrm>
+          <a:prstGeom prst="straightConnector1">
+            <a:avLst/>
+          </a:prstGeom>
+          <a:solidFill>
+            <a:schemeClr val="accent1"/>
+          </a:solidFill>
+          <a:ln w="38100" cap="flat" cmpd="sng" algn="ctr">
+            <a:solidFill>
+              <a:schemeClr val="tx1"/>
+            </a:solidFill>
+            <a:prstDash val="solid"/>
+            <a:round/>
+            <a:headEnd type="none" w="med" len="med"/>
+            <a:tailEnd type="triangle"/>
+          </a:ln>
+          <a:effectLst/>
+          <a:extLst>
+            <a:ext uri="{AF507438-7753-43e0-B8FC-AC1667EBCBE1}">
+              <a14:hiddenEffects xmlns:a14="http://schemas.microsoft.com/office/drawing/2010/main" xmlns="">
+                <a:effectLst>
+                  <a:outerShdw blurRad="63500" dist="38099" dir="2700000" algn="ctr" rotWithShape="0">
+                    <a:schemeClr val="bg2">
+                      <a:alpha val="74998"/>
+                    </a:schemeClr>
+                  </a:outerShdw>
+                </a:effectLst>
+              </a14:hiddenEffects>
+            </a:ext>
+          </a:extLst>
+        </p:spPr>
+      </p:cxnSp>
+      <p:cxnSp>
+        <p:nvCxnSpPr>
+          <p:cNvPr id="12" name="Straight Arrow Connector 11">
+            <a:extLst>
+              <a:ext uri="{FF2B5EF4-FFF2-40B4-BE49-F238E27FC236}">
+                <a16:creationId xmlns:a16="http://schemas.microsoft.com/office/drawing/2014/main" id="{61727ACE-A227-5410-6C00-8BE6B73B1C13}"/>
+              </a:ext>
+            </a:extLst>
+          </p:cNvPr>
+          <p:cNvCxnSpPr/>
+          <p:nvPr/>
+        </p:nvCxnSpPr>
+        <p:spPr bwMode="auto">
+          <a:xfrm>
+            <a:off x="5436323" y="3391929"/>
+            <a:ext cx="812077" cy="1713471"/>
+          </a:xfrm>
+          <a:prstGeom prst="straightConnector1">
+            <a:avLst/>
+          </a:prstGeom>
+          <a:solidFill>
+            <a:schemeClr val="accent1"/>
+          </a:solidFill>
+          <a:ln w="38100" cap="flat" cmpd="sng" algn="ctr">
+            <a:solidFill>
+              <a:schemeClr val="tx1"/>
+            </a:solidFill>
+            <a:prstDash val="solid"/>
+            <a:round/>
+            <a:headEnd type="none" w="med" len="med"/>
+            <a:tailEnd type="triangle"/>
+          </a:ln>
+          <a:effectLst/>
+          <a:extLst>
+            <a:ext uri="{AF507438-7753-43e0-B8FC-AC1667EBCBE1}">
+              <a14:hiddenEffects xmlns:a14="http://schemas.microsoft.com/office/drawing/2010/main" xmlns="">
+                <a:effectLst>
+                  <a:outerShdw blurRad="63500" dist="38099" dir="2700000" algn="ctr" rotWithShape="0">
+                    <a:schemeClr val="bg2">
+                      <a:alpha val="74998"/>
+                    </a:schemeClr>
+                  </a:outerShdw>
+                </a:effectLst>
+              </a14:hiddenEffects>
+            </a:ext>
+          </a:extLst>
+        </p:spPr>
+      </p:cxnSp>
+      <p:cxnSp>
+        <p:nvCxnSpPr>
+          <p:cNvPr id="14" name="Straight Arrow Connector 13">
+            <a:extLst>
+              <a:ext uri="{FF2B5EF4-FFF2-40B4-BE49-F238E27FC236}">
+                <a16:creationId xmlns:a16="http://schemas.microsoft.com/office/drawing/2014/main" id="{B4986336-963F-F14B-39C7-1D89AD5B7A72}"/>
+              </a:ext>
+            </a:extLst>
+          </p:cNvPr>
+          <p:cNvCxnSpPr/>
+          <p:nvPr/>
+        </p:nvCxnSpPr>
+        <p:spPr bwMode="auto">
+          <a:xfrm>
+            <a:off x="3621676" y="5524500"/>
+            <a:ext cx="2017126" cy="0"/>
+          </a:xfrm>
+          <a:prstGeom prst="straightConnector1">
+            <a:avLst/>
+          </a:prstGeom>
+          <a:solidFill>
+            <a:schemeClr val="accent1"/>
+          </a:solidFill>
+          <a:ln w="38100" cap="flat" cmpd="sng" algn="ctr">
+            <a:solidFill>
+              <a:schemeClr val="tx1"/>
+            </a:solidFill>
+            <a:prstDash val="lgDash"/>
+            <a:round/>
+            <a:headEnd type="none" w="med" len="med"/>
+            <a:tailEnd type="triangle"/>
+          </a:ln>
+          <a:effectLst/>
+          <a:extLst>
+            <a:ext uri="{AF507438-7753-43e0-B8FC-AC1667EBCBE1}">
+              <a14:hiddenEffects xmlns:a14="http://schemas.microsoft.com/office/drawing/2010/main" xmlns="">
+                <a:effectLst>
+                  <a:outerShdw blurRad="63500" dist="38099" dir="2700000" algn="ctr" rotWithShape="0">
+                    <a:schemeClr val="bg2">
+                      <a:alpha val="74998"/>
+                    </a:schemeClr>
+                  </a:outerShdw>
+                </a:effectLst>
+              </a14:hiddenEffects>
+            </a:ext>
+          </a:extLst>
+        </p:spPr>
+      </p:cxnSp>
+      <p:sp>
+        <p:nvSpPr>
+          <p:cNvPr id="17" name="TextBox 16">
+            <a:extLst>
+              <a:ext uri="{FF2B5EF4-FFF2-40B4-BE49-F238E27FC236}">
+                <a16:creationId xmlns:a16="http://schemas.microsoft.com/office/drawing/2014/main" id="{AB02DF27-758F-C80C-CB38-DB39D48B86FD}"/>
+              </a:ext>
+            </a:extLst>
+          </p:cNvPr>
+          <p:cNvSpPr txBox="1"/>
+          <p:nvPr/>
+        </p:nvSpPr>
+        <p:spPr>
+          <a:xfrm>
+            <a:off x="3886200" y="5562600"/>
+            <a:ext cx="1547218" cy="461665"/>
+          </a:xfrm>
+          <a:prstGeom prst="rect">
+            <a:avLst/>
+          </a:prstGeom>
+          <a:noFill/>
+        </p:spPr>
+        <p:txBody>
+          <a:bodyPr wrap="none" rtlCol="0">
+            <a:spAutoFit/>
+          </a:bodyPr>
+          <a:lstStyle/>
+          <a:p>
+            <a:r>
+              <a:rPr lang="en-US" sz="2400" dirty="0"/>
+              <a:t>message</a:t>
+            </a:r>
+          </a:p>
+        </p:txBody>
+      </p:sp>
+    </p:spTree>
+    <p:extLst>
+      <p:ext uri="{BB962C8B-B14F-4D97-AF65-F5344CB8AC3E}">
+        <p14:creationId xmlns:p14="http://schemas.microsoft.com/office/powerpoint/2010/main" val="179768366"/>
+      </p:ext>
+    </p:extLst>
+  </p:cSld>
+  <p:clrMapOvr>
+    <a:masterClrMapping/>
+  </p:clrMapOvr>
+</p:sld>
+</file>
+
+<file path=ppt/slides/slide16.xml><?xml version="1.0" encoding="utf-8"?>
+<p:sld xmlns:a="http://schemas.openxmlformats.org/drawingml/2006/main" xmlns:r="http://schemas.openxmlformats.org/officeDocument/2006/relationships" xmlns:p="http://schemas.openxmlformats.org/presentationml/2006/main">
+  <p:cSld>
+    <p:spTree>
+      <p:nvGrpSpPr>
+        <p:cNvPr id="1" name=""/>
+        <p:cNvGrpSpPr/>
+        <p:nvPr/>
+      </p:nvGrpSpPr>
+      <p:grpSpPr>
+        <a:xfrm>
+          <a:off x="0" y="0"/>
+          <a:ext cx="0" cy="0"/>
+          <a:chOff x="0" y="0"/>
+          <a:chExt cx="0" cy="0"/>
+        </a:xfrm>
+      </p:grpSpPr>
+      <p:sp>
+        <p:nvSpPr>
+          <p:cNvPr id="2" name="Title 1">
+            <a:extLst>
+              <a:ext uri="{FF2B5EF4-FFF2-40B4-BE49-F238E27FC236}">
+                <a16:creationId xmlns:a16="http://schemas.microsoft.com/office/drawing/2014/main" id="{977E4CF3-F108-4CA3-B6A5-54A0138E1A4A}"/>
+              </a:ext>
+            </a:extLst>
+          </p:cNvPr>
+          <p:cNvSpPr>
+            <a:spLocks noGrp="1"/>
+          </p:cNvSpPr>
+          <p:nvPr>
+            <p:ph type="title"/>
+          </p:nvPr>
+        </p:nvSpPr>
+        <p:spPr/>
+        <p:txBody>
+          <a:bodyPr/>
+          <a:lstStyle/>
+          <a:p>
+            <a:r>
+              <a:rPr lang="en-US" dirty="0"/>
+              <a:t>Protocol Buffers – 2</a:t>
+            </a:r>
+          </a:p>
+        </p:txBody>
+      </p:sp>
+      <p:sp>
+        <p:nvSpPr>
+          <p:cNvPr id="3" name="Content Placeholder 2">
+            <a:extLst>
+              <a:ext uri="{FF2B5EF4-FFF2-40B4-BE49-F238E27FC236}">
+                <a16:creationId xmlns:a16="http://schemas.microsoft.com/office/drawing/2014/main" id="{D512080C-7F2C-402C-BD7B-A07403E848A6}"/>
+              </a:ext>
+            </a:extLst>
+          </p:cNvPr>
+          <p:cNvSpPr>
+            <a:spLocks noGrp="1"/>
+          </p:cNvSpPr>
+          <p:nvPr>
+            <p:ph idx="1"/>
+          </p:nvPr>
+        </p:nvSpPr>
+        <p:spPr/>
+        <p:txBody>
+          <a:bodyPr/>
+          <a:lstStyle/>
+          <a:p>
+            <a:r>
+              <a:rPr lang="en-US" sz="2400" dirty="0"/>
+              <a:t>Service A written in Python calls Service B written in Go</a:t>
+            </a:r>
+          </a:p>
+          <a:p>
+            <a:r>
+              <a:rPr lang="en-US" sz="2400" dirty="0"/>
+              <a:t>Interface specification written as .proto file</a:t>
+            </a:r>
+          </a:p>
+          <a:p>
+            <a:r>
+              <a:rPr lang="en-US" sz="2400" dirty="0" err="1"/>
+              <a:t>Pythn</a:t>
+            </a:r>
+            <a:r>
+              <a:rPr lang="en-US" sz="2400" dirty="0"/>
+              <a:t>  protocol buffer compiler produces Java procedure interface for Service A</a:t>
+            </a:r>
+          </a:p>
+          <a:p>
+            <a:r>
+              <a:rPr lang="en-US" sz="2400" dirty="0"/>
+              <a:t> Go protocol buffer compiler produces procedure interface for Service B</a:t>
+            </a:r>
+          </a:p>
+          <a:p>
+            <a:r>
+              <a:rPr lang="en-US" sz="2400" dirty="0"/>
+              <a:t>Service A code calls Python procedure interface which sends data received by Service B procedure (written in Go)</a:t>
+            </a:r>
+          </a:p>
+        </p:txBody>
+      </p:sp>
+    </p:spTree>
+    <p:extLst>
+      <p:ext uri="{BB962C8B-B14F-4D97-AF65-F5344CB8AC3E}">
+        <p14:creationId xmlns:p14="http://schemas.microsoft.com/office/powerpoint/2010/main" val="3226780219"/>
+      </p:ext>
+    </p:extLst>
+  </p:cSld>
+  <p:clrMapOvr>
+    <a:masterClrMapping/>
+  </p:clrMapOvr>
+</p:sld>
+</file>
+
+<file path=ppt/slides/slide17.xml><?xml version="1.0" encoding="utf-8"?>
+<p:sld xmlns:a="http://schemas.openxmlformats.org/drawingml/2006/main" xmlns:r="http://schemas.openxmlformats.org/officeDocument/2006/relationships" xmlns:p="http://schemas.openxmlformats.org/presentationml/2006/main">
+  <p:cSld>
+    <p:spTree>
+      <p:nvGrpSpPr>
+        <p:cNvPr id="1" name=""/>
+        <p:cNvGrpSpPr/>
+        <p:nvPr/>
+      </p:nvGrpSpPr>
+      <p:grpSpPr>
+        <a:xfrm>
+          <a:off x="0" y="0"/>
+          <a:ext cx="0" cy="0"/>
+          <a:chOff x="0" y="0"/>
+          <a:chExt cx="0" cy="0"/>
+        </a:xfrm>
+      </p:grpSpPr>
+      <p:sp>
+        <p:nvSpPr>
+          <p:cNvPr id="2" name="Title 1">
+            <a:extLst>
+              <a:ext uri="{FF2B5EF4-FFF2-40B4-BE49-F238E27FC236}">
+                <a16:creationId xmlns:a16="http://schemas.microsoft.com/office/drawing/2014/main" id="{A46279B6-992F-DBDC-C387-30E01FEA4899}"/>
+              </a:ext>
+            </a:extLst>
+          </p:cNvPr>
+          <p:cNvSpPr>
+            <a:spLocks noGrp="1"/>
+          </p:cNvSpPr>
+          <p:nvPr>
+            <p:ph type="title"/>
+          </p:nvPr>
+        </p:nvSpPr>
+        <p:spPr/>
+        <p:txBody>
+          <a:bodyPr/>
+          <a:lstStyle/>
+          <a:p>
+            <a:r>
+              <a:rPr lang="en-US" dirty="0"/>
+              <a:t>Side effect of using protocol buffers</a:t>
+            </a:r>
+          </a:p>
+        </p:txBody>
+      </p:sp>
+      <p:sp>
+        <p:nvSpPr>
+          <p:cNvPr id="3" name="Content Placeholder 2">
+            <a:extLst>
+              <a:ext uri="{FF2B5EF4-FFF2-40B4-BE49-F238E27FC236}">
+                <a16:creationId xmlns:a16="http://schemas.microsoft.com/office/drawing/2014/main" id="{1A355576-B2CD-1063-FE7B-3C0469D1FCBD}"/>
+              </a:ext>
+            </a:extLst>
+          </p:cNvPr>
+          <p:cNvSpPr>
+            <a:spLocks noGrp="1"/>
+          </p:cNvSpPr>
+          <p:nvPr>
+            <p:ph idx="1"/>
+          </p:nvPr>
+        </p:nvSpPr>
+        <p:spPr/>
+        <p:txBody>
+          <a:bodyPr/>
+          <a:lstStyle/>
+          <a:p>
+            <a:r>
+              <a:rPr lang="en-US" dirty="0"/>
+              <a:t>Keeping architecture documentation up to date is continuing problem.</a:t>
+            </a:r>
+          </a:p>
+          <a:p>
+            <a:r>
+              <a:rPr lang="en-US" dirty="0"/>
+              <a:t>Use</a:t>
+            </a:r>
+            <a:r>
+              <a:rPr lang="en-US" baseline="0" dirty="0"/>
+              <a:t> of a protocol buffer guarantees that a</a:t>
+            </a:r>
+            <a:r>
+              <a:rPr lang="en-US" dirty="0"/>
+              <a:t> single</a:t>
+            </a:r>
+            <a:r>
+              <a:rPr lang="en-US" baseline="0" dirty="0"/>
+              <a:t> interface description is up to date.</a:t>
+            </a:r>
+          </a:p>
+          <a:p>
+            <a:r>
+              <a:rPr lang="en-US" baseline="0" dirty="0"/>
+              <a:t>Place all .proto files in a database. </a:t>
+            </a:r>
+          </a:p>
+          <a:p>
+            <a:r>
+              <a:rPr lang="en-US" baseline="0" dirty="0"/>
+              <a:t>This database guarantees that all interfaces descriptions are up to date.</a:t>
+            </a:r>
+            <a:endParaRPr lang="en-US" dirty="0"/>
+          </a:p>
+        </p:txBody>
+      </p:sp>
+    </p:spTree>
+    <p:extLst>
+      <p:ext uri="{BB962C8B-B14F-4D97-AF65-F5344CB8AC3E}">
+        <p14:creationId xmlns:p14="http://schemas.microsoft.com/office/powerpoint/2010/main" val="4059510026"/>
+      </p:ext>
+    </p:extLst>
+  </p:cSld>
+  <p:clrMapOvr>
+    <a:masterClrMapping/>
+  </p:clrMapOvr>
+</p:sld>
+</file>
+
+<file path=ppt/slides/slide18.xml><?xml version="1.0" encoding="utf-8"?>
+<p:sld xmlns:a="http://schemas.openxmlformats.org/drawingml/2006/main" xmlns:r="http://schemas.openxmlformats.org/officeDocument/2006/relationships" xmlns:p="http://schemas.openxmlformats.org/presentationml/2006/main">
+  <p:cSld>
+    <p:spTree>
+      <p:nvGrpSpPr>
+        <p:cNvPr id="1" name=""/>
+        <p:cNvGrpSpPr/>
+        <p:nvPr/>
+      </p:nvGrpSpPr>
+      <p:grpSpPr>
+        <a:xfrm>
+          <a:off x="0" y="0"/>
+          <a:ext cx="0" cy="0"/>
+          <a:chOff x="0" y="0"/>
+          <a:chExt cx="0" cy="0"/>
+        </a:xfrm>
+      </p:grpSpPr>
+      <p:sp>
+        <p:nvSpPr>
+          <p:cNvPr id="2" name="Title 1">
+            <a:extLst>
+              <a:ext uri="{FF2B5EF4-FFF2-40B4-BE49-F238E27FC236}">
                 <a16:creationId xmlns:a16="http://schemas.microsoft.com/office/drawing/2014/main" id="{AFBA66B2-E710-FAB7-9395-8D8AE1CA3EF2}"/>
               </a:ext>
             </a:extLst>
@@ -3800,7 +4872,7 @@
 </p:sld>
 </file>
 
-<file path=ppt/slides/slide14.xml><?xml version="1.0" encoding="utf-8"?>
+<file path=ppt/slides/slide19.xml><?xml version="1.0" encoding="utf-8"?>
 <p:sld xmlns:a="http://schemas.openxmlformats.org/drawingml/2006/main" xmlns:r="http://schemas.openxmlformats.org/officeDocument/2006/relationships" xmlns:p="http://schemas.openxmlformats.org/presentationml/2006/main">
   <p:cSld>
     <p:spTree>
@@ -4499,7 +5571,7 @@
         <p:spPr>
           <a:xfrm>
             <a:off x="838200" y="4953000"/>
-            <a:ext cx="7467600" cy="1384995"/>
+            <a:ext cx="7467600" cy="1815882"/>
           </a:xfrm>
           <a:prstGeom prst="rect">
             <a:avLst/>
@@ -4517,243 +5589,23 @@
               <a:t>For a list of topics, components can publish or subscribe to messages on those topics.</a:t>
             </a:r>
           </a:p>
+          <a:p>
+            <a:r>
+              <a:rPr lang="en-US" sz="2800" dirty="0"/>
+              <a:t>Kafka is a commonly used </a:t>
+            </a:r>
+            <a:r>
+              <a:rPr lang="en-US" sz="2800"/>
+              <a:t>message bus.</a:t>
+            </a:r>
+            <a:endParaRPr lang="en-US" sz="2800" dirty="0"/>
+          </a:p>
         </p:txBody>
       </p:sp>
     </p:spTree>
     <p:extLst>
       <p:ext uri="{BB962C8B-B14F-4D97-AF65-F5344CB8AC3E}">
         <p14:creationId xmlns:p14="http://schemas.microsoft.com/office/powerpoint/2010/main" val="2007960343"/>
-      </p:ext>
-    </p:extLst>
-  </p:cSld>
-  <p:clrMapOvr>
-    <a:masterClrMapping/>
-  </p:clrMapOvr>
-</p:sld>
-</file>
-
-<file path=ppt/slides/slide15.xml><?xml version="1.0" encoding="utf-8"?>
-<p:sld xmlns:a="http://schemas.openxmlformats.org/drawingml/2006/main" xmlns:r="http://schemas.openxmlformats.org/officeDocument/2006/relationships" xmlns:p="http://schemas.openxmlformats.org/presentationml/2006/main">
-  <p:cSld>
-    <p:spTree>
-      <p:nvGrpSpPr>
-        <p:cNvPr id="1" name=""/>
-        <p:cNvGrpSpPr/>
-        <p:nvPr/>
-      </p:nvGrpSpPr>
-      <p:grpSpPr>
-        <a:xfrm>
-          <a:off x="0" y="0"/>
-          <a:ext cx="0" cy="0"/>
-          <a:chOff x="0" y="0"/>
-          <a:chExt cx="0" cy="0"/>
-        </a:xfrm>
-      </p:grpSpPr>
-      <p:sp>
-        <p:nvSpPr>
-          <p:cNvPr id="2" name="Title 1">
-            <a:extLst>
-              <a:ext uri="{FF2B5EF4-FFF2-40B4-BE49-F238E27FC236}">
-                <a16:creationId xmlns:a16="http://schemas.microsoft.com/office/drawing/2014/main" id="{1C228C99-D112-E6DA-A661-18F8A1C01251}"/>
-              </a:ext>
-            </a:extLst>
-          </p:cNvPr>
-          <p:cNvSpPr>
-            <a:spLocks noGrp="1"/>
-          </p:cNvSpPr>
-          <p:nvPr>
-            <p:ph type="title"/>
-          </p:nvPr>
-        </p:nvSpPr>
-        <p:spPr/>
-        <p:txBody>
-          <a:bodyPr/>
-          <a:lstStyle/>
-          <a:p>
-            <a:r>
-              <a:rPr lang="en-US" dirty="0"/>
-              <a:t>Translation </a:t>
-            </a:r>
-          </a:p>
-        </p:txBody>
-      </p:sp>
-      <p:sp>
-        <p:nvSpPr>
-          <p:cNvPr id="3" name="Content Placeholder 2">
-            <a:extLst>
-              <a:ext uri="{FF2B5EF4-FFF2-40B4-BE49-F238E27FC236}">
-                <a16:creationId xmlns:a16="http://schemas.microsoft.com/office/drawing/2014/main" id="{A57B8E28-E250-9E28-A52D-742E6814684E}"/>
-              </a:ext>
-            </a:extLst>
-          </p:cNvPr>
-          <p:cNvSpPr>
-            <a:spLocks noGrp="1"/>
-          </p:cNvSpPr>
-          <p:nvPr>
-            <p:ph idx="1"/>
-          </p:nvPr>
-        </p:nvSpPr>
-        <p:spPr/>
-        <p:txBody>
-          <a:bodyPr/>
-          <a:lstStyle/>
-          <a:p>
-            <a:r>
-              <a:rPr lang="en-US" dirty="0"/>
-              <a:t>The message bus</a:t>
-            </a:r>
-            <a:r>
-              <a:rPr lang="en-US" baseline="0" dirty="0"/>
-              <a:t> can</a:t>
-            </a:r>
-          </a:p>
-          <a:p>
-            <a:pPr lvl="1"/>
-            <a:r>
-              <a:rPr lang="en-US" dirty="0"/>
-              <a:t>Translate from one format to another</a:t>
-            </a:r>
-          </a:p>
-          <a:p>
-            <a:pPr lvl="1"/>
-            <a:r>
-              <a:rPr lang="en-US" dirty="0"/>
-              <a:t>Make</a:t>
-            </a:r>
-            <a:r>
-              <a:rPr lang="en-US" baseline="0" dirty="0"/>
-              <a:t> semantic translations</a:t>
-            </a:r>
-          </a:p>
-        </p:txBody>
-      </p:sp>
-    </p:spTree>
-    <p:extLst>
-      <p:ext uri="{BB962C8B-B14F-4D97-AF65-F5344CB8AC3E}">
-        <p14:creationId xmlns:p14="http://schemas.microsoft.com/office/powerpoint/2010/main" val="3002035471"/>
-      </p:ext>
-    </p:extLst>
-  </p:cSld>
-  <p:clrMapOvr>
-    <a:masterClrMapping/>
-  </p:clrMapOvr>
-</p:sld>
-</file>
-
-<file path=ppt/slides/slide16.xml><?xml version="1.0" encoding="utf-8"?>
-<p:sld xmlns:a="http://schemas.openxmlformats.org/drawingml/2006/main" xmlns:r="http://schemas.openxmlformats.org/officeDocument/2006/relationships" xmlns:p="http://schemas.openxmlformats.org/presentationml/2006/main">
-  <p:cSld>
-    <p:spTree>
-      <p:nvGrpSpPr>
-        <p:cNvPr id="1" name=""/>
-        <p:cNvGrpSpPr/>
-        <p:nvPr/>
-      </p:nvGrpSpPr>
-      <p:grpSpPr>
-        <a:xfrm>
-          <a:off x="0" y="0"/>
-          <a:ext cx="0" cy="0"/>
-          <a:chOff x="0" y="0"/>
-          <a:chExt cx="0" cy="0"/>
-        </a:xfrm>
-      </p:grpSpPr>
-      <p:sp>
-        <p:nvSpPr>
-          <p:cNvPr id="2" name="Title 1">
-            <a:extLst>
-              <a:ext uri="{FF2B5EF4-FFF2-40B4-BE49-F238E27FC236}">
-                <a16:creationId xmlns:a16="http://schemas.microsoft.com/office/drawing/2014/main" id="{B160F315-D247-4F8F-DA77-A498E675C365}"/>
-              </a:ext>
-            </a:extLst>
-          </p:cNvPr>
-          <p:cNvSpPr>
-            <a:spLocks noGrp="1"/>
-          </p:cNvSpPr>
-          <p:nvPr>
-            <p:ph type="title"/>
-          </p:nvPr>
-        </p:nvSpPr>
-        <p:spPr/>
-        <p:txBody>
-          <a:bodyPr/>
-          <a:lstStyle/>
-          <a:p>
-            <a:r>
-              <a:rPr lang="en-US" dirty="0"/>
-              <a:t>Summary</a:t>
-            </a:r>
-          </a:p>
-        </p:txBody>
-      </p:sp>
-      <p:sp>
-        <p:nvSpPr>
-          <p:cNvPr id="3" name="Content Placeholder 2">
-            <a:extLst>
-              <a:ext uri="{FF2B5EF4-FFF2-40B4-BE49-F238E27FC236}">
-                <a16:creationId xmlns:a16="http://schemas.microsoft.com/office/drawing/2014/main" id="{3C27EA5C-D6A5-B994-2DD8-856671D9B98E}"/>
-              </a:ext>
-            </a:extLst>
-          </p:cNvPr>
-          <p:cNvSpPr>
-            <a:spLocks noGrp="1"/>
-          </p:cNvSpPr>
-          <p:nvPr>
-            <p:ph idx="1"/>
-          </p:nvPr>
-        </p:nvSpPr>
-        <p:spPr/>
-        <p:txBody>
-          <a:bodyPr/>
-          <a:lstStyle/>
-          <a:p>
-            <a:r>
-              <a:rPr lang="en-US" dirty="0"/>
-              <a:t>For</a:t>
-            </a:r>
-            <a:r>
-              <a:rPr lang="en-US" baseline="0" dirty="0"/>
-              <a:t> two components to interoperate, they must</a:t>
-            </a:r>
-          </a:p>
-          <a:p>
-            <a:pPr lvl="1"/>
-            <a:r>
-              <a:rPr lang="en-US" dirty="0"/>
-              <a:t>Know how to send messages to each other</a:t>
-            </a:r>
-          </a:p>
-          <a:p>
-            <a:pPr lvl="1"/>
-            <a:r>
-              <a:rPr lang="en-US" dirty="0"/>
-              <a:t>Agree on the syntax of the message</a:t>
-            </a:r>
-          </a:p>
-          <a:p>
-            <a:pPr lvl="1"/>
-            <a:r>
-              <a:rPr lang="en-US" dirty="0"/>
-              <a:t>Agree on the semantics of the message</a:t>
-            </a:r>
-          </a:p>
-          <a:p>
-            <a:pPr lvl="0"/>
-            <a:r>
-              <a:rPr lang="en-US" dirty="0"/>
-              <a:t>A message bus is a common</a:t>
-            </a:r>
-            <a:r>
-              <a:rPr lang="en-US" baseline="0" dirty="0"/>
-              <a:t> pattern used to facilitate interoperability.</a:t>
-            </a:r>
-            <a:endParaRPr lang="en-US" dirty="0"/>
-          </a:p>
-        </p:txBody>
-      </p:sp>
-    </p:spTree>
-    <p:extLst>
-      <p:ext uri="{BB962C8B-B14F-4D97-AF65-F5344CB8AC3E}">
-        <p14:creationId xmlns:p14="http://schemas.microsoft.com/office/powerpoint/2010/main" val="2707173099"/>
       </p:ext>
     </p:extLst>
   </p:cSld>
@@ -4858,6 +5710,244 @@
     <p:extLst>
       <p:ext uri="{BB962C8B-B14F-4D97-AF65-F5344CB8AC3E}">
         <p14:creationId xmlns:p14="http://schemas.microsoft.com/office/powerpoint/2010/main" val="2823247670"/>
+      </p:ext>
+    </p:extLst>
+  </p:cSld>
+  <p:clrMapOvr>
+    <a:masterClrMapping/>
+  </p:clrMapOvr>
+</p:sld>
+</file>
+
+<file path=ppt/slides/slide20.xml><?xml version="1.0" encoding="utf-8"?>
+<p:sld xmlns:a="http://schemas.openxmlformats.org/drawingml/2006/main" xmlns:r="http://schemas.openxmlformats.org/officeDocument/2006/relationships" xmlns:p="http://schemas.openxmlformats.org/presentationml/2006/main">
+  <p:cSld>
+    <p:spTree>
+      <p:nvGrpSpPr>
+        <p:cNvPr id="1" name=""/>
+        <p:cNvGrpSpPr/>
+        <p:nvPr/>
+      </p:nvGrpSpPr>
+      <p:grpSpPr>
+        <a:xfrm>
+          <a:off x="0" y="0"/>
+          <a:ext cx="0" cy="0"/>
+          <a:chOff x="0" y="0"/>
+          <a:chExt cx="0" cy="0"/>
+        </a:xfrm>
+      </p:grpSpPr>
+      <p:sp>
+        <p:nvSpPr>
+          <p:cNvPr id="2" name="Title 1">
+            <a:extLst>
+              <a:ext uri="{FF2B5EF4-FFF2-40B4-BE49-F238E27FC236}">
+                <a16:creationId xmlns:a16="http://schemas.microsoft.com/office/drawing/2014/main" id="{1C228C99-D112-E6DA-A661-18F8A1C01251}"/>
+              </a:ext>
+            </a:extLst>
+          </p:cNvPr>
+          <p:cNvSpPr>
+            <a:spLocks noGrp="1"/>
+          </p:cNvSpPr>
+          <p:nvPr>
+            <p:ph type="title"/>
+          </p:nvPr>
+        </p:nvSpPr>
+        <p:spPr/>
+        <p:txBody>
+          <a:bodyPr/>
+          <a:lstStyle/>
+          <a:p>
+            <a:r>
+              <a:rPr lang="en-US" dirty="0"/>
+              <a:t>Translation </a:t>
+            </a:r>
+          </a:p>
+        </p:txBody>
+      </p:sp>
+      <p:sp>
+        <p:nvSpPr>
+          <p:cNvPr id="3" name="Content Placeholder 2">
+            <a:extLst>
+              <a:ext uri="{FF2B5EF4-FFF2-40B4-BE49-F238E27FC236}">
+                <a16:creationId xmlns:a16="http://schemas.microsoft.com/office/drawing/2014/main" id="{A57B8E28-E250-9E28-A52D-742E6814684E}"/>
+              </a:ext>
+            </a:extLst>
+          </p:cNvPr>
+          <p:cNvSpPr>
+            <a:spLocks noGrp="1"/>
+          </p:cNvSpPr>
+          <p:nvPr>
+            <p:ph idx="1"/>
+          </p:nvPr>
+        </p:nvSpPr>
+        <p:spPr/>
+        <p:txBody>
+          <a:bodyPr/>
+          <a:lstStyle/>
+          <a:p>
+            <a:r>
+              <a:rPr lang="en-US" dirty="0"/>
+              <a:t>The message bus</a:t>
+            </a:r>
+            <a:r>
+              <a:rPr lang="en-US" baseline="0" dirty="0"/>
+              <a:t> can</a:t>
+            </a:r>
+          </a:p>
+          <a:p>
+            <a:pPr lvl="1"/>
+            <a:r>
+              <a:rPr lang="en-US" dirty="0"/>
+              <a:t>Translate from one format to another</a:t>
+            </a:r>
+          </a:p>
+          <a:p>
+            <a:pPr lvl="1"/>
+            <a:r>
+              <a:rPr lang="en-US" dirty="0"/>
+              <a:t>Make</a:t>
+            </a:r>
+            <a:r>
+              <a:rPr lang="en-US" baseline="0" dirty="0"/>
+              <a:t> semantic translations</a:t>
+            </a:r>
+          </a:p>
+        </p:txBody>
+      </p:sp>
+    </p:spTree>
+    <p:extLst>
+      <p:ext uri="{BB962C8B-B14F-4D97-AF65-F5344CB8AC3E}">
+        <p14:creationId xmlns:p14="http://schemas.microsoft.com/office/powerpoint/2010/main" val="3002035471"/>
+      </p:ext>
+    </p:extLst>
+  </p:cSld>
+  <p:clrMapOvr>
+    <a:masterClrMapping/>
+  </p:clrMapOvr>
+</p:sld>
+</file>
+
+<file path=ppt/slides/slide21.xml><?xml version="1.0" encoding="utf-8"?>
+<p:sld xmlns:a="http://schemas.openxmlformats.org/drawingml/2006/main" xmlns:r="http://schemas.openxmlformats.org/officeDocument/2006/relationships" xmlns:p="http://schemas.openxmlformats.org/presentationml/2006/main">
+  <p:cSld>
+    <p:spTree>
+      <p:nvGrpSpPr>
+        <p:cNvPr id="1" name=""/>
+        <p:cNvGrpSpPr/>
+        <p:nvPr/>
+      </p:nvGrpSpPr>
+      <p:grpSpPr>
+        <a:xfrm>
+          <a:off x="0" y="0"/>
+          <a:ext cx="0" cy="0"/>
+          <a:chOff x="0" y="0"/>
+          <a:chExt cx="0" cy="0"/>
+        </a:xfrm>
+      </p:grpSpPr>
+      <p:sp>
+        <p:nvSpPr>
+          <p:cNvPr id="2" name="Title 1">
+            <a:extLst>
+              <a:ext uri="{FF2B5EF4-FFF2-40B4-BE49-F238E27FC236}">
+                <a16:creationId xmlns:a16="http://schemas.microsoft.com/office/drawing/2014/main" id="{B160F315-D247-4F8F-DA77-A498E675C365}"/>
+              </a:ext>
+            </a:extLst>
+          </p:cNvPr>
+          <p:cNvSpPr>
+            <a:spLocks noGrp="1"/>
+          </p:cNvSpPr>
+          <p:nvPr>
+            <p:ph type="title"/>
+          </p:nvPr>
+        </p:nvSpPr>
+        <p:spPr/>
+        <p:txBody>
+          <a:bodyPr/>
+          <a:lstStyle/>
+          <a:p>
+            <a:r>
+              <a:rPr lang="en-US" dirty="0"/>
+              <a:t>Summary</a:t>
+            </a:r>
+          </a:p>
+        </p:txBody>
+      </p:sp>
+      <p:sp>
+        <p:nvSpPr>
+          <p:cNvPr id="3" name="Content Placeholder 2">
+            <a:extLst>
+              <a:ext uri="{FF2B5EF4-FFF2-40B4-BE49-F238E27FC236}">
+                <a16:creationId xmlns:a16="http://schemas.microsoft.com/office/drawing/2014/main" id="{3C27EA5C-D6A5-B994-2DD8-856671D9B98E}"/>
+              </a:ext>
+            </a:extLst>
+          </p:cNvPr>
+          <p:cNvSpPr>
+            <a:spLocks noGrp="1"/>
+          </p:cNvSpPr>
+          <p:nvPr>
+            <p:ph idx="1"/>
+          </p:nvPr>
+        </p:nvSpPr>
+        <p:spPr/>
+        <p:txBody>
+          <a:bodyPr/>
+          <a:lstStyle/>
+          <a:p>
+            <a:r>
+              <a:rPr lang="en-US" dirty="0"/>
+              <a:t>For</a:t>
+            </a:r>
+            <a:r>
+              <a:rPr lang="en-US" baseline="0" dirty="0"/>
+              <a:t> two components to interoperate, they must</a:t>
+            </a:r>
+          </a:p>
+          <a:p>
+            <a:pPr lvl="1"/>
+            <a:r>
+              <a:rPr lang="en-US" dirty="0"/>
+              <a:t>Know how to send messages to each other</a:t>
+            </a:r>
+          </a:p>
+          <a:p>
+            <a:pPr lvl="1"/>
+            <a:r>
+              <a:rPr lang="en-US" dirty="0"/>
+              <a:t>Agree on the syntax of the message</a:t>
+            </a:r>
+          </a:p>
+          <a:p>
+            <a:pPr lvl="1"/>
+            <a:r>
+              <a:rPr lang="en-US" dirty="0"/>
+              <a:t>Agree on the semantics of the message</a:t>
+            </a:r>
+          </a:p>
+          <a:p>
+            <a:pPr lvl="1"/>
+            <a:r>
+              <a:rPr lang="en-US" dirty="0"/>
+              <a:t>Use of protocol buffers simplifies marshalling and unmarshalling of messages</a:t>
+            </a:r>
+          </a:p>
+          <a:p>
+            <a:pPr lvl="0"/>
+            <a:r>
+              <a:rPr lang="en-US" dirty="0"/>
+              <a:t>A message bus is a common</a:t>
+            </a:r>
+            <a:r>
+              <a:rPr lang="en-US" baseline="0" dirty="0"/>
+              <a:t> pattern used to facilitate interoperability.</a:t>
+            </a:r>
+            <a:endParaRPr lang="en-US" dirty="0"/>
+          </a:p>
+        </p:txBody>
+      </p:sp>
+    </p:spTree>
+    <p:extLst>
+      <p:ext uri="{BB962C8B-B14F-4D97-AF65-F5344CB8AC3E}">
+        <p14:creationId xmlns:p14="http://schemas.microsoft.com/office/powerpoint/2010/main" val="2707173099"/>
       </p:ext>
     </p:extLst>
   </p:cSld>
@@ -5354,6 +6444,13 @@
             <a:r>
               <a:rPr lang="en-US" dirty="0"/>
               <a:t>An intended component with which to interoperate</a:t>
+            </a:r>
+          </a:p>
+          <a:p>
+            <a:pPr lvl="0"/>
+            <a:r>
+              <a:rPr lang="en-US" dirty="0"/>
+              <a:t>If the new component does not know location of discovery service, it can broadcast “I am here” message and discovery service should have a listener for such messages.</a:t>
             </a:r>
           </a:p>
         </p:txBody>

--- a/integrability.pptx
+++ b/integrability.pptx
@@ -5,10 +5,10 @@
     <p:sldMasterId id="2147483680" r:id="rId1"/>
   </p:sldMasterIdLst>
   <p:notesMasterIdLst>
-    <p:notesMasterId r:id="rId23"/>
+    <p:notesMasterId r:id="rId25"/>
   </p:notesMasterIdLst>
   <p:handoutMasterIdLst>
-    <p:handoutMasterId r:id="rId24"/>
+    <p:handoutMasterId r:id="rId26"/>
   </p:handoutMasterIdLst>
   <p:sldIdLst>
     <p:sldId id="256" r:id="rId2"/>
@@ -31,7 +31,9 @@
     <p:sldId id="270" r:id="rId19"/>
     <p:sldId id="264" r:id="rId20"/>
     <p:sldId id="265" r:id="rId21"/>
-    <p:sldId id="271" r:id="rId22"/>
+    <p:sldId id="287" r:id="rId22"/>
+    <p:sldId id="288" r:id="rId23"/>
+    <p:sldId id="271" r:id="rId24"/>
   </p:sldIdLst>
   <p:sldSz cx="9144000" cy="6858000" type="screen4x3"/>
   <p:notesSz cx="7315200" cy="9601200"/>
@@ -1318,7 +1320,7 @@
           <a:effectLst/>
           <a:extLst>
             <a:ext uri="{AF507438-7753-43e0-B8FC-AC1667EBCBE1}">
-              <a14:hiddenEffects xmlns:a14="http://schemas.microsoft.com/office/drawing/2010/main" xmlns="">
+              <a14:hiddenEffects xmlns="" xmlns:a14="http://schemas.microsoft.com/office/drawing/2010/main">
                 <a:effectLst>
                   <a:outerShdw blurRad="63500" dist="38099" dir="2700000" algn="ctr" rotWithShape="0">
                     <a:schemeClr val="bg2">
@@ -2574,14 +2576,14 @@
           <a:effectLst/>
           <a:extLst>
             <a:ext uri="{909E8E84-426E-40dd-AFC4-6F175D3DCCD1}">
-              <a14:hiddenFill xmlns:a14="http://schemas.microsoft.com/office/drawing/2010/main" xmlns="">
+              <a14:hiddenFill xmlns="" xmlns:a14="http://schemas.microsoft.com/office/drawing/2010/main">
                 <a:solidFill>
                   <a:schemeClr val="accent1"/>
                 </a:solidFill>
               </a14:hiddenFill>
             </a:ext>
             <a:ext uri="{91240B29-F687-4f45-9708-019B960494DF}">
-              <a14:hiddenLine xmlns:a14="http://schemas.microsoft.com/office/drawing/2010/main" xmlns="" w="9525">
+              <a14:hiddenLine xmlns="" xmlns:a14="http://schemas.microsoft.com/office/drawing/2010/main" w="9525">
                 <a:solidFill>
                   <a:schemeClr val="tx1"/>
                 </a:solidFill>
@@ -2591,7 +2593,7 @@
               </a14:hiddenLine>
             </a:ext>
             <a:ext uri="{AF507438-7753-43e0-B8FC-AC1667EBCBE1}">
-              <a14:hiddenEffects xmlns:a14="http://schemas.microsoft.com/office/drawing/2010/main" xmlns="">
+              <a14:hiddenEffects xmlns="" xmlns:a14="http://schemas.microsoft.com/office/drawing/2010/main">
                 <a:effectLst>
                   <a:outerShdw blurRad="63500" dist="38099" dir="2700000" algn="ctr" rotWithShape="0">
                     <a:schemeClr val="bg2">
@@ -2602,7 +2604,7 @@
               </a14:hiddenEffects>
             </a:ext>
             <a:ext uri="{FAA26D3D-D897-4be2-8F04-BA451C77F1D7}">
-              <ma14:placeholderFlag xmlns:ma14="http://schemas.microsoft.com/office/mac/drawingml/2011/main" xmlns="" val="1"/>
+              <ma14:placeholderFlag xmlns="" xmlns:ma14="http://schemas.microsoft.com/office/mac/drawingml/2011/main" val="1"/>
             </a:ext>
           </a:extLst>
         </p:spPr>
@@ -2647,14 +2649,14 @@
           <a:effectLst/>
           <a:extLst>
             <a:ext uri="{909E8E84-426E-40dd-AFC4-6F175D3DCCD1}">
-              <a14:hiddenFill xmlns:a14="http://schemas.microsoft.com/office/drawing/2010/main" xmlns="">
+              <a14:hiddenFill xmlns="" xmlns:a14="http://schemas.microsoft.com/office/drawing/2010/main">
                 <a:solidFill>
                   <a:schemeClr val="accent1"/>
                 </a:solidFill>
               </a14:hiddenFill>
             </a:ext>
             <a:ext uri="{91240B29-F687-4f45-9708-019B960494DF}">
-              <a14:hiddenLine xmlns:a14="http://schemas.microsoft.com/office/drawing/2010/main" xmlns="" w="9525">
+              <a14:hiddenLine xmlns="" xmlns:a14="http://schemas.microsoft.com/office/drawing/2010/main" w="9525">
                 <a:solidFill>
                   <a:schemeClr val="tx1"/>
                 </a:solidFill>
@@ -2664,7 +2666,7 @@
               </a14:hiddenLine>
             </a:ext>
             <a:ext uri="{AF507438-7753-43e0-B8FC-AC1667EBCBE1}">
-              <a14:hiddenEffects xmlns:a14="http://schemas.microsoft.com/office/drawing/2010/main" xmlns="">
+              <a14:hiddenEffects xmlns="" xmlns:a14="http://schemas.microsoft.com/office/drawing/2010/main">
                 <a:effectLst>
                   <a:outerShdw blurRad="63500" dist="38099" dir="2700000" algn="ctr" rotWithShape="0">
                     <a:schemeClr val="bg2">
@@ -2675,7 +2677,7 @@
               </a14:hiddenEffects>
             </a:ext>
             <a:ext uri="{FAA26D3D-D897-4be2-8F04-BA451C77F1D7}">
-              <ma14:placeholderFlag xmlns:ma14="http://schemas.microsoft.com/office/mac/drawingml/2011/main" xmlns="" val="1"/>
+              <ma14:placeholderFlag xmlns="" xmlns:ma14="http://schemas.microsoft.com/office/mac/drawingml/2011/main" val="1"/>
             </a:ext>
           </a:extLst>
         </p:spPr>
@@ -2753,36 +2755,6 @@
             <a:headEnd/>
             <a:tailEnd/>
           </a:ln>
-        </p:spPr>
-      </p:pic>
-      <p:pic>
-        <p:nvPicPr>
-          <p:cNvPr id="3" name="Picture 2">
-            <a:extLst>
-              <a:ext uri="{FF2B5EF4-FFF2-40B4-BE49-F238E27FC236}">
-                <a16:creationId xmlns:a16="http://schemas.microsoft.com/office/drawing/2014/main" id="{D516B1DB-5E49-1EA2-8C18-34B3643D7DAB}"/>
-              </a:ext>
-            </a:extLst>
-          </p:cNvPr>
-          <p:cNvPicPr>
-            <a:picLocks noChangeAspect="1"/>
-          </p:cNvPicPr>
-          <p:nvPr userDrawn="1"/>
-        </p:nvPicPr>
-        <p:blipFill>
-          <a:blip r:embed="rId14"/>
-          <a:stretch>
-            <a:fillRect/>
-          </a:stretch>
-        </p:blipFill>
-        <p:spPr>
-          <a:xfrm>
-            <a:off x="7391400" y="6096000"/>
-            <a:ext cx="1388962" cy="563592"/>
-          </a:xfrm>
-          <a:prstGeom prst="rect">
-            <a:avLst/>
-          </a:prstGeom>
         </p:spPr>
       </p:pic>
     </p:spTree>
@@ -3986,7 +3958,7 @@
           <a:effectLst/>
           <a:extLst>
             <a:ext uri="{AF507438-7753-43e0-B8FC-AC1667EBCBE1}">
-              <a14:hiddenEffects xmlns:a14="http://schemas.microsoft.com/office/drawing/2010/main" xmlns="">
+              <a14:hiddenEffects xmlns="" xmlns:a14="http://schemas.microsoft.com/office/drawing/2010/main">
                 <a:effectLst>
                   <a:outerShdw blurRad="63500" dist="38099" dir="2700000" algn="ctr" rotWithShape="0">
                     <a:schemeClr val="bg2">
@@ -4116,7 +4088,7 @@
           <a:effectLst/>
           <a:extLst>
             <a:ext uri="{AF507438-7753-43e0-B8FC-AC1667EBCBE1}">
-              <a14:hiddenEffects xmlns:a14="http://schemas.microsoft.com/office/drawing/2010/main" xmlns="">
+              <a14:hiddenEffects xmlns="" xmlns:a14="http://schemas.microsoft.com/office/drawing/2010/main">
                 <a:effectLst>
                   <a:outerShdw blurRad="63500" dist="38099" dir="2700000" algn="ctr" rotWithShape="0">
                     <a:schemeClr val="bg2">
@@ -4205,7 +4177,7 @@
           <a:effectLst/>
           <a:extLst>
             <a:ext uri="{AF507438-7753-43e0-B8FC-AC1667EBCBE1}">
-              <a14:hiddenEffects xmlns:a14="http://schemas.microsoft.com/office/drawing/2010/main" xmlns="">
+              <a14:hiddenEffects xmlns="" xmlns:a14="http://schemas.microsoft.com/office/drawing/2010/main">
                 <a:effectLst>
                   <a:outerShdw blurRad="63500" dist="38099" dir="2700000" algn="ctr" rotWithShape="0">
                     <a:schemeClr val="bg2">
@@ -4375,7 +4347,7 @@
           <a:effectLst/>
           <a:extLst>
             <a:ext uri="{AF507438-7753-43e0-B8FC-AC1667EBCBE1}">
-              <a14:hiddenEffects xmlns:a14="http://schemas.microsoft.com/office/drawing/2010/main" xmlns="">
+              <a14:hiddenEffects xmlns="" xmlns:a14="http://schemas.microsoft.com/office/drawing/2010/main">
                 <a:effectLst>
                   <a:outerShdw blurRad="63500" dist="38099" dir="2700000" algn="ctr" rotWithShape="0">
                     <a:schemeClr val="bg2">
@@ -4423,7 +4395,7 @@
           <a:effectLst/>
           <a:extLst>
             <a:ext uri="{AF507438-7753-43e0-B8FC-AC1667EBCBE1}">
-              <a14:hiddenEffects xmlns:a14="http://schemas.microsoft.com/office/drawing/2010/main" xmlns="">
+              <a14:hiddenEffects xmlns="" xmlns:a14="http://schemas.microsoft.com/office/drawing/2010/main">
                 <a:effectLst>
                   <a:outerShdw blurRad="63500" dist="38099" dir="2700000" algn="ctr" rotWithShape="0">
                     <a:schemeClr val="bg2">
@@ -4471,7 +4443,7 @@
           <a:effectLst/>
           <a:extLst>
             <a:ext uri="{AF507438-7753-43e0-B8FC-AC1667EBCBE1}">
-              <a14:hiddenEffects xmlns:a14="http://schemas.microsoft.com/office/drawing/2010/main" xmlns="">
+              <a14:hiddenEffects xmlns="" xmlns:a14="http://schemas.microsoft.com/office/drawing/2010/main">
                 <a:effectLst>
                   <a:outerShdw blurRad="63500" dist="38099" dir="2700000" algn="ctr" rotWithShape="0">
                     <a:schemeClr val="bg2">
@@ -4857,6 +4829,15 @@
               <a:t>Message bus</a:t>
             </a:r>
           </a:p>
+          <a:p>
+            <a:r>
+              <a:rPr lang="en-US" dirty="0"/>
+              <a:t>Key questions</a:t>
+            </a:r>
+          </a:p>
+          <a:p>
+            <a:endParaRPr lang="en-US" b="1" dirty="0"/>
+          </a:p>
         </p:txBody>
       </p:sp>
     </p:spTree>
@@ -4957,7 +4938,7 @@
           <a:effectLst/>
           <a:extLst>
             <a:ext uri="{AF507438-7753-43e0-B8FC-AC1667EBCBE1}">
-              <a14:hiddenEffects xmlns:a14="http://schemas.microsoft.com/office/drawing/2010/main" xmlns="">
+              <a14:hiddenEffects xmlns="" xmlns:a14="http://schemas.microsoft.com/office/drawing/2010/main">
                 <a:effectLst>
                   <a:outerShdw blurRad="63500" dist="38099" dir="2700000" algn="ctr" rotWithShape="0">
                     <a:schemeClr val="bg2">
@@ -5046,7 +5027,7 @@
           <a:effectLst/>
           <a:extLst>
             <a:ext uri="{AF507438-7753-43e0-B8FC-AC1667EBCBE1}">
-              <a14:hiddenEffects xmlns:a14="http://schemas.microsoft.com/office/drawing/2010/main" xmlns="">
+              <a14:hiddenEffects xmlns="" xmlns:a14="http://schemas.microsoft.com/office/drawing/2010/main">
                 <a:effectLst>
                   <a:outerShdw blurRad="63500" dist="38099" dir="2700000" algn="ctr" rotWithShape="0">
                     <a:schemeClr val="bg2">
@@ -5135,7 +5116,7 @@
           <a:effectLst/>
           <a:extLst>
             <a:ext uri="{AF507438-7753-43e0-B8FC-AC1667EBCBE1}">
-              <a14:hiddenEffects xmlns:a14="http://schemas.microsoft.com/office/drawing/2010/main" xmlns="">
+              <a14:hiddenEffects xmlns="" xmlns:a14="http://schemas.microsoft.com/office/drawing/2010/main">
                 <a:effectLst>
                   <a:outerShdw blurRad="63500" dist="38099" dir="2700000" algn="ctr" rotWithShape="0">
                     <a:schemeClr val="bg2">
@@ -5224,7 +5205,7 @@
           <a:effectLst/>
           <a:extLst>
             <a:ext uri="{AF507438-7753-43e0-B8FC-AC1667EBCBE1}">
-              <a14:hiddenEffects xmlns:a14="http://schemas.microsoft.com/office/drawing/2010/main" xmlns="">
+              <a14:hiddenEffects xmlns="" xmlns:a14="http://schemas.microsoft.com/office/drawing/2010/main">
                 <a:effectLst>
                   <a:outerShdw blurRad="63500" dist="38099" dir="2700000" algn="ctr" rotWithShape="0">
                     <a:schemeClr val="bg2">
@@ -5272,7 +5253,7 @@
           <a:effectLst/>
           <a:extLst>
             <a:ext uri="{AF507438-7753-43e0-B8FC-AC1667EBCBE1}">
-              <a14:hiddenEffects xmlns:a14="http://schemas.microsoft.com/office/drawing/2010/main" xmlns="">
+              <a14:hiddenEffects xmlns="" xmlns:a14="http://schemas.microsoft.com/office/drawing/2010/main">
                 <a:effectLst>
                   <a:outerShdw blurRad="63500" dist="38099" dir="2700000" algn="ctr" rotWithShape="0">
                     <a:schemeClr val="bg2">
@@ -5390,7 +5371,7 @@
           <a:effectLst/>
           <a:extLst>
             <a:ext uri="{AF507438-7753-43e0-B8FC-AC1667EBCBE1}">
-              <a14:hiddenEffects xmlns:a14="http://schemas.microsoft.com/office/drawing/2010/main" xmlns="">
+              <a14:hiddenEffects xmlns="" xmlns:a14="http://schemas.microsoft.com/office/drawing/2010/main">
                 <a:effectLst>
                   <a:outerShdw blurRad="63500" dist="38099" dir="2700000" algn="ctr" rotWithShape="0">
                     <a:schemeClr val="bg2">
@@ -5438,7 +5419,7 @@
           <a:effectLst/>
           <a:extLst>
             <a:ext uri="{AF507438-7753-43e0-B8FC-AC1667EBCBE1}">
-              <a14:hiddenEffects xmlns:a14="http://schemas.microsoft.com/office/drawing/2010/main" xmlns="">
+              <a14:hiddenEffects xmlns="" xmlns:a14="http://schemas.microsoft.com/office/drawing/2010/main">
                 <a:effectLst>
                   <a:outerShdw blurRad="63500" dist="38099" dir="2700000" algn="ctr" rotWithShape="0">
                     <a:schemeClr val="bg2">
@@ -5704,6 +5685,12 @@
               <a:t>Message bus</a:t>
             </a:r>
           </a:p>
+          <a:p>
+            <a:r>
+              <a:rPr lang="en-US" dirty="0"/>
+              <a:t>Key questions</a:t>
+            </a:r>
+          </a:p>
         </p:txBody>
       </p:sp>
     </p:spTree>
@@ -5812,6 +5799,10 @@
               <a:t> semantic translations</a:t>
             </a:r>
           </a:p>
+          <a:p>
+            <a:pPr lvl="1"/>
+            <a:endParaRPr lang="en-US" baseline="0" dirty="0"/>
+          </a:p>
         </p:txBody>
       </p:sp>
     </p:spTree>
@@ -5849,6 +5840,221 @@
           <p:cNvPr id="2" name="Title 1">
             <a:extLst>
               <a:ext uri="{FF2B5EF4-FFF2-40B4-BE49-F238E27FC236}">
+                <a16:creationId xmlns:a16="http://schemas.microsoft.com/office/drawing/2014/main" id="{AFBA66B2-E710-FAB7-9395-8D8AE1CA3EF2}"/>
+              </a:ext>
+            </a:extLst>
+          </p:cNvPr>
+          <p:cNvSpPr>
+            <a:spLocks noGrp="1"/>
+          </p:cNvSpPr>
+          <p:nvPr>
+            <p:ph type="title"/>
+          </p:nvPr>
+        </p:nvSpPr>
+        <p:spPr/>
+        <p:txBody>
+          <a:bodyPr/>
+          <a:lstStyle/>
+          <a:p>
+            <a:r>
+              <a:rPr lang="en-US" dirty="0"/>
+              <a:t>Outline</a:t>
+            </a:r>
+          </a:p>
+        </p:txBody>
+      </p:sp>
+      <p:sp>
+        <p:nvSpPr>
+          <p:cNvPr id="3" name="Content Placeholder 2">
+            <a:extLst>
+              <a:ext uri="{FF2B5EF4-FFF2-40B4-BE49-F238E27FC236}">
+                <a16:creationId xmlns:a16="http://schemas.microsoft.com/office/drawing/2014/main" id="{D3A7F6AE-D3AA-E87E-D166-BA54E136278B}"/>
+              </a:ext>
+            </a:extLst>
+          </p:cNvPr>
+          <p:cNvSpPr>
+            <a:spLocks noGrp="1"/>
+          </p:cNvSpPr>
+          <p:nvPr>
+            <p:ph idx="1"/>
+          </p:nvPr>
+        </p:nvSpPr>
+        <p:spPr/>
+        <p:txBody>
+          <a:bodyPr/>
+          <a:lstStyle/>
+          <a:p>
+            <a:r>
+              <a:rPr lang="en-US" b="0" dirty="0"/>
+              <a:t>Introduction</a:t>
+            </a:r>
+          </a:p>
+          <a:p>
+            <a:r>
+              <a:rPr lang="en-US" dirty="0"/>
+              <a:t>Locating</a:t>
+            </a:r>
+            <a:r>
+              <a:rPr lang="en-US" baseline="0" dirty="0"/>
+              <a:t> component with which to interoperate</a:t>
+            </a:r>
+            <a:endParaRPr lang="en-US" dirty="0"/>
+          </a:p>
+          <a:p>
+            <a:r>
+              <a:rPr lang="en-US" dirty="0"/>
+              <a:t>Managing interfaces</a:t>
+            </a:r>
+          </a:p>
+          <a:p>
+            <a:r>
+              <a:rPr lang="en-US" dirty="0"/>
+              <a:t>Message bus</a:t>
+            </a:r>
+          </a:p>
+          <a:p>
+            <a:r>
+              <a:rPr lang="en-US" b="1" dirty="0"/>
+              <a:t>Key questions</a:t>
+            </a:r>
+          </a:p>
+        </p:txBody>
+      </p:sp>
+    </p:spTree>
+    <p:extLst>
+      <p:ext uri="{BB962C8B-B14F-4D97-AF65-F5344CB8AC3E}">
+        <p14:creationId xmlns:p14="http://schemas.microsoft.com/office/powerpoint/2010/main" val="3473345718"/>
+      </p:ext>
+    </p:extLst>
+  </p:cSld>
+  <p:clrMapOvr>
+    <a:masterClrMapping/>
+  </p:clrMapOvr>
+</p:sld>
+</file>
+
+<file path=ppt/slides/slide22.xml><?xml version="1.0" encoding="utf-8"?>
+<p:sld xmlns:a="http://schemas.openxmlformats.org/drawingml/2006/main" xmlns:r="http://schemas.openxmlformats.org/officeDocument/2006/relationships" xmlns:p="http://schemas.openxmlformats.org/presentationml/2006/main">
+  <p:cSld>
+    <p:spTree>
+      <p:nvGrpSpPr>
+        <p:cNvPr id="1" name=""/>
+        <p:cNvGrpSpPr/>
+        <p:nvPr/>
+      </p:nvGrpSpPr>
+      <p:grpSpPr>
+        <a:xfrm>
+          <a:off x="0" y="0"/>
+          <a:ext cx="0" cy="0"/>
+          <a:chOff x="0" y="0"/>
+          <a:chExt cx="0" cy="0"/>
+        </a:xfrm>
+      </p:grpSpPr>
+      <p:sp>
+        <p:nvSpPr>
+          <p:cNvPr id="2" name="Title 1">
+            <a:extLst>
+              <a:ext uri="{FF2B5EF4-FFF2-40B4-BE49-F238E27FC236}">
+                <a16:creationId xmlns:a16="http://schemas.microsoft.com/office/drawing/2014/main" id="{9E0262C0-D610-C174-CED4-2B603177C10C}"/>
+              </a:ext>
+            </a:extLst>
+          </p:cNvPr>
+          <p:cNvSpPr>
+            <a:spLocks noGrp="1"/>
+          </p:cNvSpPr>
+          <p:nvPr>
+            <p:ph type="title"/>
+          </p:nvPr>
+        </p:nvSpPr>
+        <p:spPr/>
+        <p:txBody>
+          <a:bodyPr/>
+          <a:lstStyle/>
+          <a:p>
+            <a:r>
+              <a:rPr lang="en-US" dirty="0"/>
+              <a:t>Key questions</a:t>
+            </a:r>
+          </a:p>
+        </p:txBody>
+      </p:sp>
+      <p:sp>
+        <p:nvSpPr>
+          <p:cNvPr id="3" name="Content Placeholder 2">
+            <a:extLst>
+              <a:ext uri="{FF2B5EF4-FFF2-40B4-BE49-F238E27FC236}">
+                <a16:creationId xmlns:a16="http://schemas.microsoft.com/office/drawing/2014/main" id="{8B25E244-0F7F-F662-2B26-514FDE635AF8}"/>
+              </a:ext>
+            </a:extLst>
+          </p:cNvPr>
+          <p:cNvSpPr>
+            <a:spLocks noGrp="1"/>
+          </p:cNvSpPr>
+          <p:nvPr>
+            <p:ph idx="1"/>
+          </p:nvPr>
+        </p:nvSpPr>
+        <p:spPr/>
+        <p:txBody>
+          <a:bodyPr/>
+          <a:lstStyle/>
+          <a:p>
+            <a:r>
+              <a:rPr lang="en-US" dirty="0"/>
+              <a:t>Do the components adhere to a defined protocol?</a:t>
+            </a:r>
+          </a:p>
+          <a:p>
+            <a:r>
+              <a:rPr lang="en-US" dirty="0"/>
+              <a:t>Is point to point communication or a message </a:t>
+            </a:r>
+            <a:r>
+              <a:rPr lang="en-US"/>
+              <a:t>bus appropriate?</a:t>
+            </a:r>
+            <a:endParaRPr lang="en-US" dirty="0"/>
+          </a:p>
+          <a:p>
+            <a:endParaRPr lang="en-US" dirty="0"/>
+          </a:p>
+        </p:txBody>
+      </p:sp>
+    </p:spTree>
+    <p:extLst>
+      <p:ext uri="{BB962C8B-B14F-4D97-AF65-F5344CB8AC3E}">
+        <p14:creationId xmlns:p14="http://schemas.microsoft.com/office/powerpoint/2010/main" val="980244671"/>
+      </p:ext>
+    </p:extLst>
+  </p:cSld>
+  <p:clrMapOvr>
+    <a:masterClrMapping/>
+  </p:clrMapOvr>
+</p:sld>
+</file>
+
+<file path=ppt/slides/slide23.xml><?xml version="1.0" encoding="utf-8"?>
+<p:sld xmlns:a="http://schemas.openxmlformats.org/drawingml/2006/main" xmlns:r="http://schemas.openxmlformats.org/officeDocument/2006/relationships" xmlns:p="http://schemas.openxmlformats.org/presentationml/2006/main">
+  <p:cSld>
+    <p:spTree>
+      <p:nvGrpSpPr>
+        <p:cNvPr id="1" name=""/>
+        <p:cNvGrpSpPr/>
+        <p:nvPr/>
+      </p:nvGrpSpPr>
+      <p:grpSpPr>
+        <a:xfrm>
+          <a:off x="0" y="0"/>
+          <a:ext cx="0" cy="0"/>
+          <a:chOff x="0" y="0"/>
+          <a:chExt cx="0" cy="0"/>
+        </a:xfrm>
+      </p:grpSpPr>
+      <p:sp>
+        <p:nvSpPr>
+          <p:cNvPr id="2" name="Title 1">
+            <a:extLst>
+              <a:ext uri="{FF2B5EF4-FFF2-40B4-BE49-F238E27FC236}">
                 <a16:creationId xmlns:a16="http://schemas.microsoft.com/office/drawing/2014/main" id="{B160F315-D247-4F8F-DA77-A498E675C365}"/>
               </a:ext>
             </a:extLst>
@@ -6247,6 +6453,18 @@
               <a:t>Message bus</a:t>
             </a:r>
           </a:p>
+          <a:p>
+            <a:r>
+              <a:rPr lang="en-US" dirty="0"/>
+              <a:t>Key questions</a:t>
+            </a:r>
+          </a:p>
+          <a:p>
+            <a:endParaRPr lang="en-US" dirty="0"/>
+          </a:p>
+          <a:p>
+            <a:endParaRPr lang="en-US" dirty="0"/>
+          </a:p>
         </p:txBody>
       </p:sp>
     </p:spTree>
@@ -6685,6 +6903,15 @@
               <a:rPr lang="en-US" dirty="0"/>
               <a:t>Message bus</a:t>
             </a:r>
+          </a:p>
+          <a:p>
+            <a:r>
+              <a:rPr lang="en-US" dirty="0"/>
+              <a:t>Key questions</a:t>
+            </a:r>
+          </a:p>
+          <a:p>
+            <a:endParaRPr lang="en-US" dirty="0"/>
           </a:p>
         </p:txBody>
       </p:sp>
@@ -6947,7 +7174,7 @@
         <a:effectLst/>
         <a:extLst>
           <a:ext uri="{AF507438-7753-43e0-B8FC-AC1667EBCBE1}">
-            <a14:hiddenEffects xmlns:a14="http://schemas.microsoft.com/office/drawing/2010/main" xmlns="">
+            <a14:hiddenEffects xmlns="" xmlns:a14="http://schemas.microsoft.com/office/drawing/2010/main">
               <a:effectLst>
                 <a:outerShdw blurRad="63500" dist="38099" dir="2700000" algn="ctr" rotWithShape="0">
                   <a:schemeClr val="bg2">
@@ -7024,7 +7251,7 @@
         <a:effectLst/>
         <a:extLst>
           <a:ext uri="{AF507438-7753-43e0-B8FC-AC1667EBCBE1}">
-            <a14:hiddenEffects xmlns:a14="http://schemas.microsoft.com/office/drawing/2010/main" xmlns="">
+            <a14:hiddenEffects xmlns="" xmlns:a14="http://schemas.microsoft.com/office/drawing/2010/main">
               <a:effectLst>
                 <a:outerShdw blurRad="63500" dist="38099" dir="2700000" algn="ctr" rotWithShape="0">
                   <a:schemeClr val="bg2">
